--- a/spring/Jquery Ajax + spring.pptx
+++ b/spring/Jquery Ajax + spring.pptx
@@ -23,13 +23,17 @@
     <p:sldId id="271" r:id="rId17"/>
     <p:sldId id="272" r:id="rId18"/>
     <p:sldId id="273" r:id="rId19"/>
-    <p:sldId id="274" r:id="rId20"/>
-    <p:sldId id="275" r:id="rId21"/>
-    <p:sldId id="276" r:id="rId22"/>
-    <p:sldId id="277" r:id="rId23"/>
-    <p:sldId id="278" r:id="rId24"/>
-    <p:sldId id="279" r:id="rId25"/>
-    <p:sldId id="280" r:id="rId26"/>
+    <p:sldId id="281" r:id="rId20"/>
+    <p:sldId id="282" r:id="rId21"/>
+    <p:sldId id="283" r:id="rId22"/>
+    <p:sldId id="284" r:id="rId23"/>
+    <p:sldId id="274" r:id="rId24"/>
+    <p:sldId id="275" r:id="rId25"/>
+    <p:sldId id="276" r:id="rId26"/>
+    <p:sldId id="277" r:id="rId27"/>
+    <p:sldId id="278" r:id="rId28"/>
+    <p:sldId id="279" r:id="rId29"/>
+    <p:sldId id="280" r:id="rId30"/>
   </p:sldIdLst>
   <p:sldSz cx="9144000" cy="6858000" type="screen4x3"/>
   <p:notesSz cx="6858000" cy="9144000"/>
@@ -129,6 +133,43 @@
     </a:lvl9pPr>
   </p:defaultTextStyle>
   <p:extLst>
+    <p:ext uri="{521415D9-36F7-43E2-AB2F-B90AF26B5E84}">
+      <p14:sectionLst xmlns:p14="http://schemas.microsoft.com/office/powerpoint/2010/main">
+        <p14:section name="기본 구역" id="{0D5262A5-C190-4420-A104-CAC5A752647D}">
+          <p14:sldIdLst>
+            <p14:sldId id="256"/>
+            <p14:sldId id="257"/>
+            <p14:sldId id="258"/>
+            <p14:sldId id="259"/>
+            <p14:sldId id="260"/>
+            <p14:sldId id="261"/>
+            <p14:sldId id="262"/>
+            <p14:sldId id="263"/>
+            <p14:sldId id="264"/>
+            <p14:sldId id="265"/>
+            <p14:sldId id="266"/>
+            <p14:sldId id="267"/>
+            <p14:sldId id="268"/>
+            <p14:sldId id="269"/>
+            <p14:sldId id="270"/>
+            <p14:sldId id="271"/>
+            <p14:sldId id="272"/>
+            <p14:sldId id="273"/>
+            <p14:sldId id="281"/>
+            <p14:sldId id="282"/>
+            <p14:sldId id="283"/>
+            <p14:sldId id="284"/>
+            <p14:sldId id="274"/>
+            <p14:sldId id="275"/>
+            <p14:sldId id="276"/>
+            <p14:sldId id="277"/>
+            <p14:sldId id="278"/>
+            <p14:sldId id="279"/>
+            <p14:sldId id="280"/>
+          </p14:sldIdLst>
+        </p14:section>
+      </p14:sectionLst>
+    </p:ext>
     <p:ext uri="{EFAFB233-063F-42B5-8137-9DF3F51BA10A}">
       <p15:sldGuideLst xmlns:p15="http://schemas.microsoft.com/office/powerpoint/2012/main">
         <p15:guide id="1" orient="horz" pos="2160">
@@ -145,6 +186,118 @@
     </p:ext>
   </p:extLst>
 </p:presentation>
+</file>
+
+<file path=ppt/ink/ink1.xml><?xml version="1.0" encoding="utf-8"?>
+<inkml:ink xmlns:inkml="http://www.w3.org/2003/InkML">
+  <inkml:definitions>
+    <inkml:context xml:id="ctx0">
+      <inkml:inkSource xml:id="inkSrc0">
+        <inkml:traceFormat>
+          <inkml:channel name="X" type="integer" min="-2.14748E9" max="2.14748E9" units="cm"/>
+          <inkml:channel name="Y" type="integer" min="-2.14748E9" max="2.14748E9" units="cm"/>
+          <inkml:channel name="F" type="integer" max="32767" units="dev"/>
+        </inkml:traceFormat>
+        <inkml:channelProperties>
+          <inkml:channelProperty channel="X" name="resolution" value="1000" units="1/cm"/>
+          <inkml:channelProperty channel="Y" name="resolution" value="1000" units="1/cm"/>
+          <inkml:channelProperty channel="F" name="resolution" value="0" units="1/dev"/>
+        </inkml:channelProperties>
+      </inkml:inkSource>
+      <inkml:timestamp xml:id="ts0" timeString="2022-03-04T00:44:17.042"/>
+    </inkml:context>
+    <inkml:brush xml:id="br0">
+      <inkml:brushProperty name="width" value="0.05" units="cm"/>
+      <inkml:brushProperty name="height" value="0.05" units="cm"/>
+      <inkml:brushProperty name="color" value="#E71224"/>
+    </inkml:brush>
+  </inkml:definitions>
+  <inkml:trace contextRef="#ctx0" brushRef="#br0">0 79 24575,'29'-1'0,"0"-2"0,29-7 0,17-1 0,77-13 0,-92 13 0,116-7 0,784 18 0,-422 1 0,-473 3 0,113 19 0,-115-12 0,122 4 0,302-16 0,-468 0 0,0-1 0,35-8 0,-33 5 0,-1 1 0,26-1 0,5 5-1365,-29 0-5461</inkml:trace>
+</inkml:ink>
+</file>
+
+<file path=ppt/ink/ink2.xml><?xml version="1.0" encoding="utf-8"?>
+<inkml:ink xmlns:inkml="http://www.w3.org/2003/InkML">
+  <inkml:definitions>
+    <inkml:context xml:id="ctx0">
+      <inkml:inkSource xml:id="inkSrc0">
+        <inkml:traceFormat>
+          <inkml:channel name="X" type="integer" min="-2.14748E9" max="2.14748E9" units="cm"/>
+          <inkml:channel name="Y" type="integer" min="-2.14748E9" max="2.14748E9" units="cm"/>
+          <inkml:channel name="F" type="integer" max="32767" units="dev"/>
+        </inkml:traceFormat>
+        <inkml:channelProperties>
+          <inkml:channelProperty channel="X" name="resolution" value="1000" units="1/cm"/>
+          <inkml:channelProperty channel="Y" name="resolution" value="1000" units="1/cm"/>
+          <inkml:channelProperty channel="F" name="resolution" value="0" units="1/dev"/>
+        </inkml:channelProperties>
+      </inkml:inkSource>
+      <inkml:timestamp xml:id="ts0" timeString="2022-03-04T00:44:18.507"/>
+    </inkml:context>
+    <inkml:brush xml:id="br0">
+      <inkml:brushProperty name="width" value="0.05" units="cm"/>
+      <inkml:brushProperty name="height" value="0.05" units="cm"/>
+      <inkml:brushProperty name="color" value="#E71224"/>
+    </inkml:brush>
+  </inkml:definitions>
+  <inkml:trace contextRef="#ctx0" brushRef="#br0">0 30 24575,'49'0'0,"9"1"0,0-2 0,87-14 0,-79 6 0,1 4 0,131 6 0,-70 2 0,-101-3-1365,-4 0-5461</inkml:trace>
+</inkml:ink>
+</file>
+
+<file path=ppt/ink/ink3.xml><?xml version="1.0" encoding="utf-8"?>
+<inkml:ink xmlns:inkml="http://www.w3.org/2003/InkML">
+  <inkml:definitions>
+    <inkml:context xml:id="ctx0">
+      <inkml:inkSource xml:id="inkSrc0">
+        <inkml:traceFormat>
+          <inkml:channel name="X" type="integer" min="-2.14748E9" max="2.14748E9" units="cm"/>
+          <inkml:channel name="Y" type="integer" min="-2.14748E9" max="2.14748E9" units="cm"/>
+          <inkml:channel name="F" type="integer" max="32767" units="dev"/>
+        </inkml:traceFormat>
+        <inkml:channelProperties>
+          <inkml:channelProperty channel="X" name="resolution" value="1000" units="1/cm"/>
+          <inkml:channelProperty channel="Y" name="resolution" value="1000" units="1/cm"/>
+          <inkml:channelProperty channel="F" name="resolution" value="0" units="1/dev"/>
+        </inkml:channelProperties>
+      </inkml:inkSource>
+      <inkml:timestamp xml:id="ts0" timeString="2022-03-04T00:44:33.196"/>
+    </inkml:context>
+    <inkml:brush xml:id="br0">
+      <inkml:brushProperty name="width" value="0.05" units="cm"/>
+      <inkml:brushProperty name="height" value="0.05" units="cm"/>
+      <inkml:brushProperty name="color" value="#E71224"/>
+    </inkml:brush>
+  </inkml:definitions>
+  <inkml:trace contextRef="#ctx0" brushRef="#br0">1 0 24575,'2105'0'-1365,"-2083"0"-5461</inkml:trace>
+</inkml:ink>
+</file>
+
+<file path=ppt/ink/ink4.xml><?xml version="1.0" encoding="utf-8"?>
+<inkml:ink xmlns:inkml="http://www.w3.org/2003/InkML">
+  <inkml:definitions>
+    <inkml:context xml:id="ctx0">
+      <inkml:inkSource xml:id="inkSrc0">
+        <inkml:traceFormat>
+          <inkml:channel name="X" type="integer" min="-2.14748E9" max="2.14748E9" units="cm"/>
+          <inkml:channel name="Y" type="integer" min="-2.14748E9" max="2.14748E9" units="cm"/>
+          <inkml:channel name="F" type="integer" max="32767" units="dev"/>
+        </inkml:traceFormat>
+        <inkml:channelProperties>
+          <inkml:channelProperty channel="X" name="resolution" value="1000" units="1/cm"/>
+          <inkml:channelProperty channel="Y" name="resolution" value="1000" units="1/cm"/>
+          <inkml:channelProperty channel="F" name="resolution" value="0" units="1/dev"/>
+        </inkml:channelProperties>
+      </inkml:inkSource>
+      <inkml:timestamp xml:id="ts0" timeString="2022-03-04T01:57:03.052"/>
+    </inkml:context>
+    <inkml:brush xml:id="br0">
+      <inkml:brushProperty name="width" value="0.05" units="cm"/>
+      <inkml:brushProperty name="height" value="0.05" units="cm"/>
+      <inkml:brushProperty name="color" value="#E71224"/>
+    </inkml:brush>
+  </inkml:definitions>
+  <inkml:trace contextRef="#ctx0" brushRef="#br0">0 1 24575</inkml:trace>
+</inkml:ink>
 </file>
 
 <file path=ppt/slideLayouts/slideLayout1.xml><?xml version="1.0" encoding="utf-8"?>
@@ -764,7 +917,7 @@
           <a:p>
             <a:fld id="{A442101C-234C-4EDF-B693-5D5EEBC9C5A0}" type="datetimeFigureOut">
               <a:rPr lang="ko-KR" altLang="en-US" smtClean="0"/>
-              <a:t>2022-03-03</a:t>
+              <a:t>2022-03-04</a:t>
             </a:fld>
             <a:endParaRPr lang="ko-KR" altLang="en-US"/>
           </a:p>
@@ -954,7 +1107,7 @@
           <a:p>
             <a:fld id="{A442101C-234C-4EDF-B693-5D5EEBC9C5A0}" type="datetimeFigureOut">
               <a:rPr lang="ko-KR" altLang="en-US" smtClean="0"/>
-              <a:t>2022-03-03</a:t>
+              <a:t>2022-03-04</a:t>
             </a:fld>
             <a:endParaRPr lang="ko-KR" altLang="en-US"/>
           </a:p>
@@ -1129,7 +1282,7 @@
           <a:p>
             <a:fld id="{A442101C-234C-4EDF-B693-5D5EEBC9C5A0}" type="datetimeFigureOut">
               <a:rPr lang="ko-KR" altLang="en-US" smtClean="0"/>
-              <a:t>2022-03-03</a:t>
+              <a:t>2022-03-04</a:t>
             </a:fld>
             <a:endParaRPr lang="ko-KR" altLang="en-US"/>
           </a:p>
@@ -1271,7 +1424,7 @@
           <a:p>
             <a:fld id="{A442101C-234C-4EDF-B693-5D5EEBC9C5A0}" type="datetimeFigureOut">
               <a:rPr lang="ko-KR" altLang="en-US" smtClean="0"/>
-              <a:t>2022-03-03</a:t>
+              <a:t>2022-03-04</a:t>
             </a:fld>
             <a:endParaRPr lang="ko-KR" altLang="en-US"/>
           </a:p>
@@ -1518,7 +1671,7 @@
           <a:p>
             <a:fld id="{A442101C-234C-4EDF-B693-5D5EEBC9C5A0}" type="datetimeFigureOut">
               <a:rPr lang="ko-KR" altLang="en-US" smtClean="0"/>
-              <a:t>2022-03-03</a:t>
+              <a:t>2022-03-04</a:t>
             </a:fld>
             <a:endParaRPr lang="ko-KR" altLang="en-US"/>
           </a:p>
@@ -1917,7 +2070,7 @@
           <a:p>
             <a:fld id="{A442101C-234C-4EDF-B693-5D5EEBC9C5A0}" type="datetimeFigureOut">
               <a:rPr lang="ko-KR" altLang="en-US" smtClean="0"/>
-              <a:t>2022-03-03</a:t>
+              <a:t>2022-03-04</a:t>
             </a:fld>
             <a:endParaRPr lang="ko-KR" altLang="en-US"/>
           </a:p>
@@ -2355,7 +2508,7 @@
           <a:p>
             <a:fld id="{A442101C-234C-4EDF-B693-5D5EEBC9C5A0}" type="datetimeFigureOut">
               <a:rPr lang="ko-KR" altLang="en-US" smtClean="0"/>
-              <a:t>2022-03-03</a:t>
+              <a:t>2022-03-04</a:t>
             </a:fld>
             <a:endParaRPr lang="ko-KR" altLang="en-US"/>
           </a:p>
@@ -2450,7 +2603,7 @@
           <a:p>
             <a:fld id="{A442101C-234C-4EDF-B693-5D5EEBC9C5A0}" type="datetimeFigureOut">
               <a:rPr lang="ko-KR" altLang="en-US" smtClean="0"/>
-              <a:t>2022-03-03</a:t>
+              <a:t>2022-03-04</a:t>
             </a:fld>
             <a:endParaRPr lang="ko-KR" altLang="en-US"/>
           </a:p>
@@ -2563,7 +2716,7 @@
           <a:p>
             <a:fld id="{A442101C-234C-4EDF-B693-5D5EEBC9C5A0}" type="datetimeFigureOut">
               <a:rPr lang="ko-KR" altLang="en-US" smtClean="0"/>
-              <a:t>2022-03-03</a:t>
+              <a:t>2022-03-04</a:t>
             </a:fld>
             <a:endParaRPr lang="ko-KR" altLang="en-US"/>
           </a:p>
@@ -2831,7 +2984,7 @@
           <a:p>
             <a:fld id="{A442101C-234C-4EDF-B693-5D5EEBC9C5A0}" type="datetimeFigureOut">
               <a:rPr lang="ko-KR" altLang="en-US" smtClean="0"/>
-              <a:t>2022-03-03</a:t>
+              <a:t>2022-03-04</a:t>
             </a:fld>
             <a:endParaRPr lang="ko-KR" altLang="en-US"/>
           </a:p>
@@ -3032,7 +3185,7 @@
           <a:p>
             <a:fld id="{A442101C-234C-4EDF-B693-5D5EEBC9C5A0}" type="datetimeFigureOut">
               <a:rPr lang="ko-KR" altLang="en-US" smtClean="0"/>
-              <a:t>2022-03-03</a:t>
+              <a:t>2022-03-04</a:t>
             </a:fld>
             <a:endParaRPr lang="ko-KR" altLang="en-US"/>
           </a:p>
@@ -4121,7 +4274,7 @@
           <a:p>
             <a:fld id="{A442101C-234C-4EDF-B693-5D5EEBC9C5A0}" type="datetimeFigureOut">
               <a:rPr lang="ko-KR" altLang="en-US" smtClean="0"/>
-              <a:t>2022-03-03</a:t>
+              <a:t>2022-03-04</a:t>
             </a:fld>
             <a:endParaRPr lang="ko-KR" altLang="en-US"/>
           </a:p>
@@ -5441,6 +5594,57 @@
           </a:p>
         </p:txBody>
       </p:sp>
+      <mc:AlternateContent xmlns:mc="http://schemas.openxmlformats.org/markup-compatibility/2006">
+        <mc:Choice xmlns:p14="http://schemas.microsoft.com/office/powerpoint/2010/main" Requires="p14">
+          <p:contentPart p14:bwMode="auto" r:id="rId2">
+            <p14:nvContentPartPr>
+              <p14:cNvPr id="4" name="잉크 3">
+                <a:extLst>
+                  <a:ext uri="{FF2B5EF4-FFF2-40B4-BE49-F238E27FC236}">
+                    <a16:creationId xmlns:a16="http://schemas.microsoft.com/office/drawing/2014/main" id="{ACEE02CF-15E4-4E3B-BEA5-11D44A55B7C7}"/>
+                  </a:ext>
+                </a:extLst>
+              </p14:cNvPr>
+              <p14:cNvContentPartPr/>
+              <p14:nvPr/>
+            </p14:nvContentPartPr>
+            <p14:xfrm>
+              <a:off x="1486844" y="1994589"/>
+              <a:ext cx="360" cy="360"/>
+            </p14:xfrm>
+          </p:contentPart>
+        </mc:Choice>
+        <mc:Fallback>
+          <p:pic>
+            <p:nvPicPr>
+              <p:cNvPr id="4" name="잉크 3">
+                <a:extLst>
+                  <a:ext uri="{FF2B5EF4-FFF2-40B4-BE49-F238E27FC236}">
+                    <a16:creationId xmlns:a16="http://schemas.microsoft.com/office/drawing/2014/main" id="{ACEE02CF-15E4-4E3B-BEA5-11D44A55B7C7}"/>
+                  </a:ext>
+                </a:extLst>
+              </p:cNvPr>
+              <p:cNvPicPr/>
+              <p:nvPr/>
+            </p:nvPicPr>
+            <p:blipFill>
+              <a:blip r:embed="rId3"/>
+              <a:stretch>
+                <a:fillRect/>
+              </a:stretch>
+            </p:blipFill>
+            <p:spPr>
+              <a:xfrm>
+                <a:off x="1477844" y="1985949"/>
+                <a:ext cx="18000" cy="18000"/>
+              </a:xfrm>
+              <a:prstGeom prst="rect">
+                <a:avLst/>
+              </a:prstGeom>
+            </p:spPr>
+          </p:pic>
+        </mc:Fallback>
+      </mc:AlternateContent>
     </p:spTree>
     <p:extLst>
       <p:ext uri="{BB962C8B-B14F-4D97-AF65-F5344CB8AC3E}">
@@ -5492,23 +5696,39 @@
               <a:buNone/>
             </a:pPr>
             <a:r>
-              <a:rPr lang="ko-KR" altLang="en-US"/>
-              <a:t>서버의 콘트롤라에서 처리</a:t>
+              <a:rPr lang="ko-KR" altLang="en-US" dirty="0"/>
+              <a:t>서버의 </a:t>
+            </a:r>
+            <a:r>
+              <a:rPr lang="ko-KR" altLang="en-US" dirty="0" err="1"/>
+              <a:t>콘트롤라에서</a:t>
+            </a:r>
+            <a:r>
+              <a:rPr lang="ko-KR" altLang="en-US" dirty="0"/>
+              <a:t> 처리</a:t>
             </a:r>
             <a:br>
-              <a:rPr lang="en-US" altLang="ko-KR"/>
+              <a:rPr lang="en-US" altLang="ko-KR" dirty="0"/>
             </a:br>
             <a:r>
-              <a:rPr lang="en-US" altLang="ko-KR" sz="2000"/>
-              <a:t>@RequestMapping(value = "/requestObject", produces = "application/text; charset=UTF8")</a:t>
-            </a:r>
-          </a:p>
-          <a:p>
-            <a:pPr marL="109728" indent="0">
-              <a:buNone/>
-            </a:pPr>
-            <a:r>
-              <a:rPr lang="en-US" altLang="ko-KR" sz="2000"/>
+              <a:rPr lang="en-US" altLang="ko-KR" sz="2000" dirty="0"/>
+              <a:t>@RequestMapping(value = "/</a:t>
+            </a:r>
+            <a:r>
+              <a:rPr lang="en-US" altLang="ko-KR" sz="2000" dirty="0" err="1"/>
+              <a:t>requestObject</a:t>
+            </a:r>
+            <a:r>
+              <a:rPr lang="en-US" altLang="ko-KR" sz="2000" dirty="0"/>
+              <a:t>", produces = "application/text; charset=UTF8")</a:t>
+            </a:r>
+          </a:p>
+          <a:p>
+            <a:pPr marL="109728" indent="0">
+              <a:buNone/>
+            </a:pPr>
+            <a:r>
+              <a:rPr lang="en-US" altLang="ko-KR" sz="2000" dirty="0"/>
               <a:t>@ResponseBody</a:t>
             </a:r>
           </a:p>
@@ -5517,25 +5737,65 @@
               <a:buNone/>
             </a:pPr>
             <a:r>
-              <a:rPr lang="en-US" altLang="ko-KR" sz="2000" b="1"/>
-              <a:t>public String simpleWithObject(Jamong jamong) {</a:t>
-            </a:r>
-          </a:p>
-          <a:p>
-            <a:pPr marL="109728" indent="0">
-              <a:buNone/>
-            </a:pPr>
-            <a:r>
-              <a:rPr lang="en-US" altLang="ko-KR" sz="2000" b="1"/>
-              <a:t>return jamong.getName() + " and " +jamong.getAge();</a:t>
-            </a:r>
-          </a:p>
-          <a:p>
-            <a:pPr marL="109728" indent="0">
-              <a:buNone/>
-            </a:pPr>
-            <a:r>
-              <a:rPr lang="en-US" altLang="ko-KR" sz="2000"/>
+              <a:rPr lang="en-US" altLang="ko-KR" sz="2000" b="1" dirty="0"/>
+              <a:t>public String </a:t>
+            </a:r>
+            <a:r>
+              <a:rPr lang="en-US" altLang="ko-KR" sz="2000" b="1" dirty="0" err="1"/>
+              <a:t>simpleWithObject</a:t>
+            </a:r>
+            <a:r>
+              <a:rPr lang="en-US" altLang="ko-KR" sz="2000" b="1" dirty="0"/>
+              <a:t>(</a:t>
+            </a:r>
+            <a:r>
+              <a:rPr lang="en-US" altLang="ko-KR" sz="2000" b="1" dirty="0" err="1"/>
+              <a:t>Jamong</a:t>
+            </a:r>
+            <a:r>
+              <a:rPr lang="en-US" altLang="ko-KR" sz="2000" b="1" dirty="0"/>
+              <a:t> </a:t>
+            </a:r>
+            <a:r>
+              <a:rPr lang="en-US" altLang="ko-KR" sz="2000" b="1" dirty="0" err="1"/>
+              <a:t>jamong</a:t>
+            </a:r>
+            <a:r>
+              <a:rPr lang="en-US" altLang="ko-KR" sz="2000" b="1" dirty="0"/>
+              <a:t>) {</a:t>
+            </a:r>
+          </a:p>
+          <a:p>
+            <a:pPr marL="109728" indent="0">
+              <a:buNone/>
+            </a:pPr>
+            <a:r>
+              <a:rPr lang="en-US" altLang="ko-KR" sz="2000" b="1" dirty="0"/>
+              <a:t>return </a:t>
+            </a:r>
+            <a:r>
+              <a:rPr lang="en-US" altLang="ko-KR" sz="2000" b="1" dirty="0" err="1"/>
+              <a:t>jamong.getName</a:t>
+            </a:r>
+            <a:r>
+              <a:rPr lang="en-US" altLang="ko-KR" sz="2000" b="1" dirty="0"/>
+              <a:t>() + " and " +</a:t>
+            </a:r>
+            <a:r>
+              <a:rPr lang="en-US" altLang="ko-KR" sz="2000" b="1" dirty="0" err="1"/>
+              <a:t>jamong.getAge</a:t>
+            </a:r>
+            <a:r>
+              <a:rPr lang="en-US" altLang="ko-KR" sz="2000" b="1" dirty="0"/>
+              <a:t>();</a:t>
+            </a:r>
+          </a:p>
+          <a:p>
+            <a:pPr marL="109728" indent="0">
+              <a:buNone/>
+            </a:pPr>
+            <a:r>
+              <a:rPr lang="en-US" altLang="ko-KR" sz="2000" dirty="0"/>
               <a:t>}</a:t>
             </a:r>
           </a:p>
@@ -5544,33 +5804,45 @@
               <a:buNone/>
             </a:pPr>
             <a:r>
-              <a:rPr lang="en-US" altLang="ko-KR" sz="2000"/>
-              <a:t>Jamong bean</a:t>
-            </a:r>
-            <a:r>
-              <a:rPr lang="ko-KR" altLang="en-US" sz="2000"/>
+              <a:rPr lang="en-US" altLang="ko-KR" sz="2000" dirty="0" err="1"/>
+              <a:t>Jamong</a:t>
+            </a:r>
+            <a:r>
+              <a:rPr lang="en-US" altLang="ko-KR" sz="2000" dirty="0"/>
+              <a:t> bean</a:t>
+            </a:r>
+            <a:r>
+              <a:rPr lang="ko-KR" altLang="en-US" sz="2000" dirty="0"/>
               <a:t>클래스</a:t>
             </a:r>
             <a:br>
-              <a:rPr lang="en-US" altLang="ko-KR" sz="2000"/>
+              <a:rPr lang="en-US" altLang="ko-KR" sz="2000" dirty="0"/>
             </a:br>
             <a:r>
-              <a:rPr lang="en-US" altLang="ko-KR" sz="2000" b="1"/>
-              <a:t>public class Jamong {</a:t>
-            </a:r>
-          </a:p>
-          <a:p>
-            <a:pPr marL="109728" indent="0">
-              <a:buNone/>
-            </a:pPr>
-            <a:endParaRPr lang="ko-KR" altLang="en-US" sz="2000"/>
-          </a:p>
-          <a:p>
-            <a:pPr marL="109728" indent="0">
-              <a:buNone/>
-            </a:pPr>
-            <a:r>
-              <a:rPr lang="en-US" altLang="ko-KR" sz="2000" b="1"/>
+              <a:rPr lang="en-US" altLang="ko-KR" sz="2000" b="1" dirty="0"/>
+              <a:t>public class </a:t>
+            </a:r>
+            <a:r>
+              <a:rPr lang="en-US" altLang="ko-KR" sz="2000" b="1" dirty="0" err="1"/>
+              <a:t>Jamong</a:t>
+            </a:r>
+            <a:r>
+              <a:rPr lang="en-US" altLang="ko-KR" sz="2000" b="1" dirty="0"/>
+              <a:t> {</a:t>
+            </a:r>
+          </a:p>
+          <a:p>
+            <a:pPr marL="109728" indent="0">
+              <a:buNone/>
+            </a:pPr>
+            <a:endParaRPr lang="ko-KR" altLang="en-US" sz="2000" dirty="0"/>
+          </a:p>
+          <a:p>
+            <a:pPr marL="109728" indent="0">
+              <a:buNone/>
+            </a:pPr>
+            <a:r>
+              <a:rPr lang="en-US" altLang="ko-KR" sz="2000" b="1" dirty="0"/>
               <a:t>private String name;</a:t>
             </a:r>
           </a:p>
@@ -5579,7 +5851,7 @@
               <a:buNone/>
             </a:pPr>
             <a:r>
-              <a:rPr lang="en-US" altLang="ko-KR" sz="2000" b="1"/>
+              <a:rPr lang="en-US" altLang="ko-KR" sz="2000" b="1" dirty="0"/>
               <a:t>private int age;</a:t>
             </a:r>
           </a:p>
@@ -5587,23 +5859,31 @@
             <a:pPr marL="109728" indent="0">
               <a:buNone/>
             </a:pPr>
-            <a:endParaRPr lang="ko-KR" altLang="en-US" sz="2000"/>
-          </a:p>
-          <a:p>
-            <a:pPr marL="109728" indent="0">
-              <a:buNone/>
-            </a:pPr>
-            <a:r>
-              <a:rPr lang="en-US" altLang="ko-KR" sz="2000" b="1"/>
-              <a:t>public Jamong() {</a:t>
-            </a:r>
-          </a:p>
-          <a:p>
-            <a:pPr marL="109728" indent="0">
-              <a:buNone/>
-            </a:pPr>
-            <a:r>
-              <a:rPr lang="en-US" altLang="ko-KR" sz="2000" b="1"/>
+            <a:endParaRPr lang="ko-KR" altLang="en-US" sz="2000" dirty="0"/>
+          </a:p>
+          <a:p>
+            <a:pPr marL="109728" indent="0">
+              <a:buNone/>
+            </a:pPr>
+            <a:r>
+              <a:rPr lang="en-US" altLang="ko-KR" sz="2000" b="1" dirty="0"/>
+              <a:t>public </a:t>
+            </a:r>
+            <a:r>
+              <a:rPr lang="en-US" altLang="ko-KR" sz="2000" b="1" dirty="0" err="1"/>
+              <a:t>Jamong</a:t>
+            </a:r>
+            <a:r>
+              <a:rPr lang="en-US" altLang="ko-KR" sz="2000" b="1" dirty="0"/>
+              <a:t>() {</a:t>
+            </a:r>
+          </a:p>
+          <a:p>
+            <a:pPr marL="109728" indent="0">
+              <a:buNone/>
+            </a:pPr>
+            <a:r>
+              <a:rPr lang="en-US" altLang="ko-KR" sz="2000" b="1" dirty="0"/>
               <a:t>super();</a:t>
             </a:r>
           </a:p>
@@ -5612,7 +5892,7 @@
               <a:buNone/>
             </a:pPr>
             <a:r>
-              <a:rPr lang="en-US" altLang="ko-KR" sz="2000"/>
+              <a:rPr lang="en-US" altLang="ko-KR" sz="2000" dirty="0"/>
               <a:t>}</a:t>
             </a:r>
           </a:p>
@@ -5621,15 +5901,15 @@
               <a:buNone/>
             </a:pPr>
             <a:r>
-              <a:rPr lang="ko-KR" altLang="en-US" sz="2000"/>
+              <a:rPr lang="ko-KR" altLang="en-US" sz="2000" dirty="0"/>
               <a:t>아래에 </a:t>
             </a:r>
             <a:r>
-              <a:rPr lang="en-US" altLang="ko-KR" sz="2000"/>
+              <a:rPr lang="en-US" altLang="ko-KR" sz="2000" dirty="0" err="1"/>
               <a:t>setter,getter</a:t>
             </a:r>
             <a:r>
-              <a:rPr lang="ko-KR" altLang="en-US" sz="2000"/>
+              <a:rPr lang="ko-KR" altLang="en-US" sz="2000" dirty="0"/>
               <a:t>는 생략</a:t>
             </a:r>
           </a:p>
@@ -6192,7 +6472,13 @@
       </p:grpSpPr>
       <p:sp>
         <p:nvSpPr>
-          <p:cNvPr id="2" name="내용 개체 틀 1"/>
+          <p:cNvPr id="2" name="내용 개체 틀 1">
+            <a:extLst>
+              <a:ext uri="{FF2B5EF4-FFF2-40B4-BE49-F238E27FC236}">
+                <a16:creationId xmlns:a16="http://schemas.microsoft.com/office/drawing/2014/main" id="{D73905ED-C348-45A0-9FBC-DEAC57CA6E3B}"/>
+              </a:ext>
+            </a:extLst>
+          </p:cNvPr>
           <p:cNvSpPr>
             <a:spLocks noGrp="1"/>
           </p:cNvSpPr>
@@ -6200,250 +6486,151 @@
             <p:ph idx="1"/>
           </p:nvPr>
         </p:nvSpPr>
-        <p:spPr>
-          <a:xfrm>
-            <a:off x="457200" y="980728"/>
-            <a:ext cx="8229600" cy="5544616"/>
-          </a:xfrm>
-        </p:spPr>
-        <p:txBody>
-          <a:bodyPr>
-            <a:noAutofit/>
-          </a:bodyPr>
+        <p:spPr/>
+        <p:txBody>
+          <a:bodyPr/>
           <a:lstStyle/>
           <a:p>
             <a:r>
-              <a:rPr lang="ko-KR" altLang="en-US" sz="1600"/>
-              <a:t>클라이언트측</a:t>
-            </a:r>
-            <a:br>
-              <a:rPr lang="en-US" altLang="ko-KR" sz="1600"/>
-            </a:br>
-            <a:r>
-              <a:rPr lang="ko-KR" altLang="en-US" sz="1600"/>
-              <a:t>자바스트립트 객체형을 </a:t>
-            </a:r>
-            <a:r>
-              <a:rPr lang="en-US" altLang="ko-KR" sz="1600"/>
-              <a:t>JSON</a:t>
-            </a:r>
-            <a:r>
-              <a:rPr lang="ko-KR" altLang="en-US" sz="1600"/>
-              <a:t>문자열로 변환하여 보내줌</a:t>
-            </a:r>
-            <a:br>
-              <a:rPr lang="en-US" altLang="ko-KR" sz="1600"/>
-            </a:br>
-            <a:r>
-              <a:rPr lang="en-US" altLang="ko-KR" sz="1600"/>
-              <a:t>data: JSON.stringify(form)</a:t>
-            </a:r>
-          </a:p>
-          <a:p>
-            <a:pPr marL="109728" indent="0">
-              <a:buNone/>
-            </a:pPr>
-            <a:r>
-              <a:rPr lang="ko-KR" altLang="en-US" sz="1600"/>
-              <a:t>    서버에서받는 데이터를 </a:t>
-            </a:r>
-            <a:r>
-              <a:rPr lang="en-US" altLang="ko-KR" sz="1600"/>
-              <a:t>datatype : json</a:t>
-            </a:r>
-            <a:r>
-              <a:rPr lang="ko-KR" altLang="en-US" sz="1600"/>
-              <a:t>으로</a:t>
-            </a:r>
-            <a:r>
-              <a:rPr lang="en-US" altLang="ko-KR" sz="1600"/>
-              <a:t> </a:t>
-            </a:r>
-            <a:r>
-              <a:rPr lang="ko-KR" altLang="en-US" sz="1600"/>
-              <a:t>한다</a:t>
-            </a:r>
-            <a:r>
-              <a:rPr lang="en-US" altLang="ko-KR" sz="1600"/>
-              <a:t>.</a:t>
-            </a:r>
-            <a:r>
-              <a:rPr lang="ko-KR" altLang="en-US" sz="1600"/>
+              <a:rPr lang="en-US" altLang="ko-KR" sz="1800" dirty="0">
+                <a:solidFill>
+                  <a:srgbClr val="646464"/>
+                </a:solidFill>
+                <a:latin typeface="Courier New" panose="02070309020205020404" pitchFamily="49" charset="0"/>
+              </a:rPr>
+              <a:t>@ResponseBody</a:t>
+            </a:r>
+            <a:r>
+              <a:rPr lang="ko-KR" altLang="en-US" sz="1800" dirty="0">
+                <a:solidFill>
+                  <a:srgbClr val="646464"/>
+                </a:solidFill>
+                <a:latin typeface="Courier New" panose="02070309020205020404" pitchFamily="49" charset="0"/>
+              </a:rPr>
+              <a:t>는 사용하면 안됨</a:t>
+            </a:r>
+            <a:endParaRPr lang="en-US" altLang="ko-KR" sz="1800" dirty="0">
+              <a:solidFill>
+                <a:srgbClr val="646464"/>
+              </a:solidFill>
+              <a:latin typeface="Courier New" panose="02070309020205020404" pitchFamily="49" charset="0"/>
+            </a:endParaRPr>
+          </a:p>
+          <a:p>
+            <a:r>
+              <a:rPr lang="en-US" altLang="ko-KR" sz="1800" dirty="0">
+                <a:solidFill>
+                  <a:srgbClr val="646464"/>
+                </a:solidFill>
+                <a:latin typeface="Courier New" panose="02070309020205020404" pitchFamily="49" charset="0"/>
+              </a:rPr>
+              <a:t>Ajax</a:t>
+            </a:r>
+            <a:r>
+              <a:rPr lang="ko-KR" altLang="en-US" sz="1800" dirty="0">
+                <a:solidFill>
+                  <a:srgbClr val="646464"/>
+                </a:solidFill>
+                <a:latin typeface="Courier New" panose="02070309020205020404" pitchFamily="49" charset="0"/>
+              </a:rPr>
+              <a:t>측에서는 </a:t>
+            </a:r>
+            <a:r>
+              <a:rPr lang="en-US" altLang="ko-KR" sz="1800" dirty="0" err="1">
+                <a:solidFill>
+                  <a:srgbClr val="646464"/>
+                </a:solidFill>
+                <a:latin typeface="Courier New" panose="02070309020205020404" pitchFamily="49" charset="0"/>
+              </a:rPr>
+              <a:t>jsp</a:t>
+            </a:r>
+            <a:r>
+              <a:rPr lang="ko-KR" altLang="en-US" sz="1800" dirty="0">
+                <a:solidFill>
+                  <a:srgbClr val="646464"/>
+                </a:solidFill>
+                <a:latin typeface="Courier New" panose="02070309020205020404" pitchFamily="49" charset="0"/>
+              </a:rPr>
+              <a:t>는 </a:t>
+            </a:r>
+            <a:r>
+              <a:rPr lang="en-US" altLang="ko-KR" sz="1800" dirty="0">
+                <a:solidFill>
+                  <a:srgbClr val="646464"/>
+                </a:solidFill>
+                <a:latin typeface="Courier New" panose="02070309020205020404" pitchFamily="49" charset="0"/>
+              </a:rPr>
+              <a:t>html</a:t>
+            </a:r>
+            <a:r>
+              <a:rPr lang="ko-KR" altLang="en-US" sz="1800" dirty="0">
+                <a:solidFill>
+                  <a:srgbClr val="646464"/>
+                </a:solidFill>
+                <a:latin typeface="Courier New" panose="02070309020205020404" pitchFamily="49" charset="0"/>
+              </a:rPr>
+              <a:t>로 변환되어 오므로 </a:t>
+            </a:r>
+            <a:r>
+              <a:rPr lang="en-US" altLang="ko-KR" sz="1800" dirty="0">
+                <a:solidFill>
+                  <a:srgbClr val="646464"/>
+                </a:solidFill>
+                <a:latin typeface="Courier New" panose="02070309020205020404" pitchFamily="49" charset="0"/>
+              </a:rPr>
+              <a:t>html(data)</a:t>
+            </a:r>
+            <a:r>
+              <a:rPr lang="ko-KR" altLang="en-US" sz="1800" dirty="0">
+                <a:solidFill>
+                  <a:srgbClr val="646464"/>
+                </a:solidFill>
+                <a:latin typeface="Courier New" panose="02070309020205020404" pitchFamily="49" charset="0"/>
+              </a:rPr>
+              <a:t>형태로</a:t>
+            </a:r>
+            <a:endParaRPr lang="en-US" altLang="ko-KR" sz="1800" dirty="0">
+              <a:solidFill>
+                <a:srgbClr val="646464"/>
+              </a:solidFill>
+              <a:latin typeface="Courier New" panose="02070309020205020404" pitchFamily="49" charset="0"/>
+            </a:endParaRPr>
+          </a:p>
+          <a:p>
+            <a:pPr marL="109728" indent="0">
+              <a:buNone/>
+            </a:pPr>
+            <a:r>
+              <a:rPr lang="en-US" altLang="ko-KR" sz="1800" dirty="0">
+                <a:solidFill>
+                  <a:srgbClr val="646464"/>
+                </a:solidFill>
+                <a:latin typeface="Courier New" panose="02070309020205020404" pitchFamily="49" charset="0"/>
+              </a:rPr>
               <a:t>  </a:t>
             </a:r>
-            <a:br>
-              <a:rPr lang="en-US" altLang="ko-KR" sz="1600"/>
-            </a:br>
-            <a:r>
-              <a:rPr lang="en-US" altLang="ko-KR" sz="1600"/>
-              <a:t>     contentType: "application/json; charset=utf-8;"</a:t>
-            </a:r>
-          </a:p>
-          <a:p>
-            <a:pPr marL="109728" indent="0">
-              <a:buNone/>
-            </a:pPr>
-            <a:r>
-              <a:rPr lang="en-US" altLang="ko-KR" sz="1600"/>
-              <a:t>POM.XML</a:t>
-            </a:r>
-            <a:r>
-              <a:rPr lang="ko-KR" altLang="en-US" sz="1600"/>
-              <a:t>에 다음 추가</a:t>
-            </a:r>
-            <a:br>
-              <a:rPr lang="en-US" altLang="ko-KR" sz="1600"/>
-            </a:br>
-            <a:r>
-              <a:rPr lang="en-US" altLang="ko-KR" sz="1600"/>
-              <a:t> &lt;dependency&gt;</a:t>
-            </a:r>
-          </a:p>
-          <a:p>
-            <a:pPr marL="109728" indent="0">
-              <a:buNone/>
-            </a:pPr>
-            <a:r>
-              <a:rPr lang="en-US" altLang="ko-KR" sz="1600"/>
-              <a:t>            &lt;groupId&gt;com.fasterxml.jackson.core&lt;/groupId&gt;</a:t>
-            </a:r>
-          </a:p>
-          <a:p>
-            <a:pPr marL="109728" indent="0">
-              <a:buNone/>
-            </a:pPr>
-            <a:r>
-              <a:rPr lang="en-US" altLang="ko-KR" sz="1600"/>
-              <a:t>            &lt;artifactId&gt;jackson-databind&lt;/artifactId&gt;</a:t>
-            </a:r>
-          </a:p>
-          <a:p>
-            <a:pPr marL="109728" indent="0">
-              <a:buNone/>
-            </a:pPr>
-            <a:r>
-              <a:rPr lang="en-US" altLang="ko-KR" sz="1600"/>
-              <a:t>            &lt;version&gt;2.9.5&lt;/version&gt;</a:t>
-            </a:r>
-          </a:p>
-          <a:p>
-            <a:pPr marL="109728" indent="0">
-              <a:buNone/>
-            </a:pPr>
-            <a:r>
-              <a:rPr lang="en-US" altLang="ko-KR" sz="1600"/>
-              <a:t>     &lt;/dependency&gt;</a:t>
-            </a:r>
-          </a:p>
-          <a:p>
-            <a:pPr marL="109728" indent="0">
-              <a:buNone/>
-            </a:pPr>
-            <a:r>
-              <a:rPr lang="ko-KR" altLang="en-US" sz="1600"/>
-              <a:t>서버측에서 </a:t>
-            </a:r>
-            <a:r>
-              <a:rPr lang="en-US" altLang="ko-KR" sz="1600"/>
-              <a:t>JSON</a:t>
-            </a:r>
-            <a:r>
-              <a:rPr lang="ko-KR" altLang="en-US" sz="1600"/>
-              <a:t>으로 받기 위해서는 </a:t>
-            </a:r>
-            <a:r>
-              <a:rPr lang="en-US" altLang="ko-KR" sz="1600"/>
-              <a:t>@RequestBody</a:t>
-            </a:r>
-            <a:r>
-              <a:rPr lang="ko-KR" altLang="en-US" sz="1600"/>
-              <a:t>를 사용</a:t>
-            </a:r>
-            <a:br>
-              <a:rPr lang="en-US" altLang="ko-KR" sz="1600"/>
-            </a:br>
-            <a:br>
-              <a:rPr lang="en-US" altLang="ko-KR" sz="1600"/>
-            </a:br>
-            <a:r>
-              <a:rPr lang="en-US" altLang="ko-KR" sz="1600"/>
-              <a:t> @RequestMapping(value="/stringify", produces = "application/json; charset=UTF8")</a:t>
-            </a:r>
-          </a:p>
-          <a:p>
-            <a:pPr marL="109728" indent="0">
-              <a:buNone/>
-            </a:pPr>
-            <a:r>
-              <a:rPr lang="en-US" altLang="ko-KR" sz="1600"/>
-              <a:t>    @ResponseBody</a:t>
-            </a:r>
-          </a:p>
-          <a:p>
-            <a:pPr marL="109728" indent="0">
-              <a:buNone/>
-            </a:pPr>
-            <a:r>
-              <a:rPr lang="en-US" altLang="ko-KR" sz="1600"/>
-              <a:t>    public Object stringify(@RequestBody Jamong jamong) {</a:t>
-            </a:r>
-          </a:p>
-          <a:p>
-            <a:pPr marL="109728" indent="0">
-              <a:buNone/>
-            </a:pPr>
-            <a:r>
-              <a:rPr lang="en-US" altLang="ko-KR" sz="1600"/>
-              <a:t>        HashMap&lt;String, Object&gt; map = new HashMap&lt;String, Object&gt;();</a:t>
-            </a:r>
-          </a:p>
-          <a:p>
-            <a:pPr marL="109728" indent="0">
-              <a:buNone/>
-            </a:pPr>
-            <a:r>
-              <a:rPr lang="en-US" altLang="ko-KR" sz="1600"/>
-              <a:t>        map.put("name", jamong.getName());</a:t>
-            </a:r>
-          </a:p>
-          <a:p>
-            <a:pPr marL="109728" indent="0">
-              <a:buNone/>
-            </a:pPr>
-            <a:r>
-              <a:rPr lang="en-US" altLang="ko-KR" sz="1600"/>
-              <a:t>        map.put("age", jamong.getAge());</a:t>
-            </a:r>
-          </a:p>
-          <a:p>
-            <a:pPr marL="109728" indent="0">
-              <a:buNone/>
-            </a:pPr>
-            <a:r>
-              <a:rPr lang="en-US" altLang="ko-KR" sz="1600"/>
-              <a:t>        return map;</a:t>
-            </a:r>
-          </a:p>
-          <a:p>
-            <a:pPr marL="109728" indent="0">
-              <a:buNone/>
-            </a:pPr>
-            <a:r>
-              <a:rPr lang="en-US" altLang="ko-KR" sz="1600"/>
-              <a:t>    }</a:t>
-            </a:r>
-          </a:p>
-          <a:p>
-            <a:pPr marL="109728" indent="0">
-              <a:buNone/>
-            </a:pPr>
-            <a:endParaRPr lang="ko-KR" altLang="en-US" sz="1600"/>
-          </a:p>
-        </p:txBody>
-      </p:sp>
-      <p:sp>
-        <p:nvSpPr>
-          <p:cNvPr id="3" name="제목 2"/>
+            <a:r>
+              <a:rPr lang="ko-KR" altLang="en-US" sz="1800" dirty="0">
+                <a:solidFill>
+                  <a:srgbClr val="646464"/>
+                </a:solidFill>
+                <a:latin typeface="Courier New" panose="02070309020205020404" pitchFamily="49" charset="0"/>
+              </a:rPr>
+              <a:t>리턴 데이터 사용</a:t>
+            </a:r>
+            <a:endParaRPr lang="ko-KR" altLang="en-US" dirty="0"/>
+          </a:p>
+        </p:txBody>
+      </p:sp>
+      <p:sp>
+        <p:nvSpPr>
+          <p:cNvPr id="3" name="제목 2">
+            <a:extLst>
+              <a:ext uri="{FF2B5EF4-FFF2-40B4-BE49-F238E27FC236}">
+                <a16:creationId xmlns:a16="http://schemas.microsoft.com/office/drawing/2014/main" id="{B2CEDB61-BC99-4539-9222-3FC901F8E3FA}"/>
+              </a:ext>
+            </a:extLst>
+          </p:cNvPr>
           <p:cNvSpPr>
             <a:spLocks noGrp="1"/>
           </p:cNvSpPr>
@@ -6451,41 +6638,39 @@
             <p:ph type="title"/>
           </p:nvPr>
         </p:nvSpPr>
-        <p:spPr>
-          <a:xfrm>
-            <a:off x="457200" y="274638"/>
-            <a:ext cx="8229600" cy="490066"/>
-          </a:xfrm>
-        </p:spPr>
-        <p:txBody>
-          <a:bodyPr>
-            <a:normAutofit/>
-          </a:bodyPr>
+        <p:spPr/>
+        <p:txBody>
+          <a:bodyPr/>
           <a:lstStyle/>
           <a:p>
             <a:r>
-              <a:rPr lang="en-US" altLang="ko-KR" sz="2400"/>
-              <a:t>Json</a:t>
-            </a:r>
-            <a:r>
-              <a:rPr lang="ko-KR" altLang="en-US" sz="2400"/>
-              <a:t>형태로 </a:t>
-            </a:r>
-            <a:r>
-              <a:rPr lang="en-US" altLang="ko-KR" sz="2400"/>
-              <a:t>ajax</a:t>
-            </a:r>
-            <a:r>
-              <a:rPr lang="ko-KR" altLang="en-US" sz="2400"/>
-              <a:t>처리</a:t>
-            </a:r>
+              <a:rPr lang="en-US" altLang="ko-KR" dirty="0"/>
+              <a:t>Controller</a:t>
+            </a:r>
+            <a:r>
+              <a:rPr lang="ko-KR" altLang="en-US" dirty="0"/>
+              <a:t>에서 </a:t>
+            </a:r>
+            <a:r>
+              <a:rPr lang="en-US" altLang="ko-KR" dirty="0" err="1"/>
+              <a:t>jsp</a:t>
+            </a:r>
+            <a:r>
+              <a:rPr lang="ko-KR" altLang="en-US" dirty="0"/>
+              <a:t>파일 </a:t>
+            </a:r>
+            <a:r>
+              <a:rPr lang="ko-KR" altLang="en-US" dirty="0" err="1"/>
+              <a:t>리턴시</a:t>
+            </a:r>
+            <a:endParaRPr lang="ko-KR" altLang="en-US" dirty="0"/>
           </a:p>
         </p:txBody>
       </p:sp>
     </p:spTree>
     <p:extLst>
       <p:ext uri="{BB962C8B-B14F-4D97-AF65-F5344CB8AC3E}">
-        <p14:creationId xmlns:p14="http://schemas.microsoft.com/office/powerpoint/2010/main" val="1642965084"/>
+        <p14:creationId xmlns:p14="http://schemas.microsoft.com/office/powerpoint/2010/main" val="4249928024"/>
       </p:ext>
     </p:extLst>
   </p:cSld>
@@ -6711,7 +6896,13 @@
       </p:grpSpPr>
       <p:sp>
         <p:nvSpPr>
-          <p:cNvPr id="2" name="내용 개체 틀 1"/>
+          <p:cNvPr id="2" name="내용 개체 틀 1">
+            <a:extLst>
+              <a:ext uri="{FF2B5EF4-FFF2-40B4-BE49-F238E27FC236}">
+                <a16:creationId xmlns:a16="http://schemas.microsoft.com/office/drawing/2014/main" id="{F2040A6E-1E07-42A7-B5E7-E866C25EC193}"/>
+              </a:ext>
+            </a:extLst>
+          </p:cNvPr>
           <p:cNvSpPr>
             <a:spLocks noGrp="1"/>
           </p:cNvSpPr>
@@ -6719,168 +6910,428 @@
             <p:ph idx="1"/>
           </p:nvPr>
         </p:nvSpPr>
-        <p:spPr>
-          <a:xfrm>
-            <a:off x="457200" y="1052736"/>
-            <a:ext cx="8229600" cy="5170579"/>
-          </a:xfrm>
-        </p:spPr>
+        <p:spPr/>
         <p:txBody>
           <a:bodyPr>
-            <a:normAutofit/>
+            <a:normAutofit fontScale="55000" lnSpcReduction="20000"/>
           </a:bodyPr>
           <a:lstStyle/>
           <a:p>
-            <a:pPr marL="109728" indent="0">
-              <a:buNone/>
-            </a:pPr>
-            <a:r>
-              <a:rPr lang="en-US" altLang="ko-KR" sz="1800" b="1">
-                <a:solidFill>
-                  <a:srgbClr val="555555"/>
-                </a:solidFill>
-                <a:latin typeface="AppleSDGothicNeo"/>
-              </a:rPr>
-              <a:t>@Controller</a:t>
-            </a:r>
-            <a:r>
-              <a:rPr lang="ko-KR" altLang="en-US" sz="1800" b="1">
-                <a:solidFill>
-                  <a:srgbClr val="555555"/>
-                </a:solidFill>
-                <a:latin typeface="AppleSDGothicNeo"/>
-              </a:rPr>
-              <a:t>가 아닌 </a:t>
-            </a:r>
-            <a:r>
-              <a:rPr lang="en-US" altLang="ko-KR" sz="1800" b="1">
-                <a:solidFill>
-                  <a:srgbClr val="555555"/>
-                </a:solidFill>
-                <a:latin typeface="AppleSDGothicNeo"/>
-              </a:rPr>
-              <a:t>@RestController</a:t>
-            </a:r>
-            <a:r>
-              <a:rPr lang="ko-KR" altLang="en-US" sz="1800" b="1">
-                <a:solidFill>
-                  <a:srgbClr val="555555"/>
-                </a:solidFill>
-                <a:latin typeface="AppleSDGothicNeo"/>
-              </a:rPr>
-              <a:t>에서 </a:t>
-            </a:r>
-            <a:r>
-              <a:rPr lang="en-US" altLang="ko-KR" sz="1800" b="1">
-                <a:solidFill>
-                  <a:srgbClr val="555555"/>
-                </a:solidFill>
-                <a:latin typeface="AppleSDGothicNeo"/>
-              </a:rPr>
-              <a:t>JSON</a:t>
-            </a:r>
-            <a:r>
-              <a:rPr lang="ko-KR" altLang="en-US" sz="1800" b="1">
-                <a:solidFill>
-                  <a:srgbClr val="555555"/>
-                </a:solidFill>
-                <a:latin typeface="AppleSDGothicNeo"/>
-              </a:rPr>
-              <a:t>타입으로 데이터를 주고</a:t>
+            <a:r>
+              <a:rPr lang="en-US" altLang="ko-KR" dirty="0"/>
+              <a:t>Json</a:t>
+            </a:r>
+            <a:r>
+              <a:rPr lang="ko-KR" altLang="en-US" dirty="0"/>
+              <a:t>은 데이터를 저장하고 전달하기 위한 형식</a:t>
+            </a:r>
+            <a:endParaRPr lang="en-US" altLang="ko-KR" dirty="0"/>
+          </a:p>
+          <a:p>
+            <a:r>
+              <a:rPr lang="en-US" altLang="ko-KR" dirty="0"/>
+              <a:t>Json</a:t>
+            </a:r>
+            <a:r>
+              <a:rPr lang="ko-KR" altLang="en-US" dirty="0"/>
+              <a:t>은 서버에서 웹페이지로 데이터를 </a:t>
+            </a:r>
+            <a:r>
+              <a:rPr lang="ko-KR" altLang="en-US" dirty="0" err="1"/>
+              <a:t>보낼시에</a:t>
+            </a:r>
+            <a:r>
+              <a:rPr lang="ko-KR" altLang="en-US" dirty="0"/>
+              <a:t> 사용되기도 함</a:t>
+            </a:r>
+            <a:endParaRPr lang="en-US" altLang="ko-KR" dirty="0"/>
+          </a:p>
+          <a:p>
+            <a:r>
+              <a:rPr lang="en-US" altLang="ko-KR" dirty="0" err="1"/>
+              <a:t>j</a:t>
+            </a:r>
+            <a:r>
+              <a:rPr lang="en-US" altLang="ko-KR" sz="2000" dirty="0" err="1"/>
+              <a:t>ava</a:t>
+            </a:r>
+            <a:r>
+              <a:rPr lang="en-US" altLang="ko-KR" dirty="0" err="1"/>
+              <a:t>S</a:t>
+            </a:r>
+            <a:r>
+              <a:rPr lang="en-US" altLang="ko-KR" sz="2000" dirty="0" err="1"/>
+              <a:t>cript</a:t>
+            </a:r>
+            <a:r>
+              <a:rPr lang="ko-KR" altLang="en-US" dirty="0"/>
+              <a:t> </a:t>
+            </a:r>
+            <a:r>
+              <a:rPr lang="en-US" altLang="ko-KR" dirty="0"/>
+              <a:t>O</a:t>
+            </a:r>
+            <a:r>
+              <a:rPr lang="en-US" altLang="ko-KR" sz="2000" dirty="0"/>
+              <a:t>bject</a:t>
+            </a:r>
+            <a:r>
+              <a:rPr lang="ko-KR" altLang="en-US" dirty="0"/>
+              <a:t> </a:t>
+            </a:r>
+            <a:r>
+              <a:rPr lang="en-US" altLang="ko-KR" dirty="0"/>
+              <a:t>N</a:t>
+            </a:r>
+            <a:r>
+              <a:rPr lang="en-US" altLang="ko-KR" sz="2000" dirty="0"/>
+              <a:t>otation</a:t>
+            </a:r>
+            <a:r>
+              <a:rPr lang="ko-KR" altLang="en-US" dirty="0"/>
+              <a:t>의 약자로 </a:t>
+            </a:r>
+            <a:r>
+              <a:rPr lang="ko-KR" altLang="en-US" dirty="0" err="1"/>
+              <a:t>자바스크립트객체</a:t>
+            </a:r>
+            <a:r>
+              <a:rPr lang="ko-KR" altLang="en-US" dirty="0"/>
+              <a:t> 표현법</a:t>
+            </a:r>
+            <a:endParaRPr lang="en-US" altLang="ko-KR" dirty="0"/>
+          </a:p>
+          <a:p>
+            <a:r>
+              <a:rPr lang="en-US" altLang="ko-KR" dirty="0"/>
+              <a:t>Json</a:t>
+            </a:r>
+            <a:r>
+              <a:rPr lang="ko-KR" altLang="en-US" dirty="0"/>
+              <a:t>은 경량으로 데이터교환형식</a:t>
+            </a:r>
+            <a:endParaRPr lang="en-US" altLang="ko-KR" dirty="0"/>
+          </a:p>
+          <a:p>
+            <a:r>
+              <a:rPr lang="en-US" altLang="ko-KR" dirty="0"/>
+              <a:t>Json</a:t>
+            </a:r>
+            <a:r>
+              <a:rPr lang="ko-KR" altLang="en-US" dirty="0"/>
+              <a:t>은 프로그램언어에 독립적임</a:t>
+            </a:r>
+            <a:endParaRPr lang="en-US" altLang="ko-KR" dirty="0"/>
+          </a:p>
+          <a:p>
+            <a:r>
+              <a:rPr lang="en-US" altLang="ko-KR" dirty="0"/>
+              <a:t>Json</a:t>
+            </a:r>
+            <a:r>
+              <a:rPr lang="ko-KR" altLang="en-US" dirty="0"/>
+              <a:t>구문은 </a:t>
+            </a:r>
+            <a:r>
+              <a:rPr lang="en-US" altLang="ko-KR" dirty="0" err="1"/>
+              <a:t>js</a:t>
+            </a:r>
+            <a:r>
+              <a:rPr lang="ko-KR" altLang="en-US" dirty="0"/>
+              <a:t>의 </a:t>
+            </a:r>
+            <a:r>
+              <a:rPr lang="en-US" altLang="ko-KR" dirty="0"/>
+              <a:t>object</a:t>
+            </a:r>
+            <a:r>
+              <a:rPr lang="ko-KR" altLang="en-US" dirty="0"/>
+              <a:t>표현법에서 기인하게 됨</a:t>
+            </a:r>
+            <a:endParaRPr lang="en-US" altLang="ko-KR" dirty="0"/>
+          </a:p>
+          <a:p>
+            <a:r>
+              <a:rPr lang="en-US" altLang="ko-KR" dirty="0"/>
+              <a:t>Json</a:t>
+            </a:r>
+            <a:r>
+              <a:rPr lang="ko-KR" altLang="en-US" dirty="0"/>
+              <a:t>은 </a:t>
+            </a:r>
+            <a:r>
+              <a:rPr lang="en-US" altLang="ko-KR" dirty="0"/>
+              <a:t>text-only</a:t>
+            </a:r>
+          </a:p>
+          <a:p>
+            <a:r>
+              <a:rPr lang="en-US" altLang="ko-KR" dirty="0"/>
+              <a:t>Json</a:t>
+            </a:r>
+            <a:r>
+              <a:rPr lang="ko-KR" altLang="en-US" dirty="0"/>
+              <a:t>예</a:t>
             </a:r>
             <a:br>
-              <a:rPr lang="en-US" altLang="ko-KR" sz="1800" b="1">
-                <a:solidFill>
-                  <a:srgbClr val="555555"/>
-                </a:solidFill>
-                <a:latin typeface="AppleSDGothicNeo"/>
-              </a:rPr>
+              <a:rPr lang="en-US" altLang="ko-KR" dirty="0"/>
             </a:br>
             <a:r>
-              <a:rPr lang="ko-KR" altLang="en-US" sz="1800" b="1">
-                <a:solidFill>
-                  <a:srgbClr val="555555"/>
-                </a:solidFill>
-                <a:latin typeface="AppleSDGothicNeo"/>
-              </a:rPr>
-              <a:t>받기</a:t>
+              <a:rPr lang="en-US" altLang="ko-KR" dirty="0"/>
+              <a:t>3</a:t>
+            </a:r>
+            <a:r>
+              <a:rPr lang="ko-KR" altLang="en-US" dirty="0"/>
+              <a:t>개의 고용인 객체로 된 배열 </a:t>
             </a:r>
             <a:br>
-              <a:rPr lang="en-US" altLang="ko-KR" sz="1800" b="1">
-                <a:solidFill>
-                  <a:srgbClr val="555555"/>
-                </a:solidFill>
-                <a:latin typeface="AppleSDGothicNeo"/>
-              </a:rPr>
+              <a:rPr lang="en-US" altLang="ko-KR" dirty="0"/>
             </a:br>
             <a:r>
-              <a:rPr lang="en-US" altLang="ko-KR" sz="1800" b="1"/>
-              <a:t>@RestController Annotation</a:t>
-            </a:r>
-            <a:r>
-              <a:rPr lang="ko-KR" altLang="en-US" sz="1800" b="1"/>
-              <a:t>을 사용하면</a:t>
-            </a:r>
-            <a:r>
-              <a:rPr lang="en-US" altLang="ko-KR" sz="1800" b="1"/>
-              <a:t>, @ResponseBody Annotation</a:t>
-            </a:r>
-            <a:r>
-              <a:rPr lang="ko-KR" altLang="en-US" sz="1800" b="1"/>
-              <a:t>을 빼고 사용하면된다</a:t>
-            </a:r>
-            <a:r>
-              <a:rPr lang="en-US" altLang="ko-KR" sz="1800" b="1"/>
-              <a:t>.</a:t>
-            </a:r>
-          </a:p>
-          <a:p>
-            <a:pPr marL="109728" indent="0">
-              <a:buNone/>
-            </a:pPr>
-            <a:r>
-              <a:rPr lang="en-US" altLang="ko-KR" sz="1800" b="1"/>
-              <a:t>@RestController</a:t>
-            </a:r>
-            <a:r>
-              <a:rPr lang="ko-KR" altLang="en-US" sz="1800" b="1"/>
-              <a:t>가 알아서 </a:t>
-            </a:r>
-            <a:r>
-              <a:rPr lang="en-US" altLang="ko-KR" sz="1800" b="1"/>
-              <a:t>JSON</a:t>
-            </a:r>
-            <a:r>
-              <a:rPr lang="ko-KR" altLang="en-US" sz="1800" b="1"/>
-              <a:t>형태로 </a:t>
-            </a:r>
-            <a:r>
-              <a:rPr lang="en-US" altLang="ko-KR" sz="1800" b="1"/>
-              <a:t>return</a:t>
-            </a:r>
-            <a:r>
-              <a:rPr lang="ko-KR" altLang="en-US" sz="1800" b="1"/>
-              <a:t>해준다</a:t>
-            </a:r>
-            <a:r>
-              <a:rPr lang="en-US" altLang="ko-KR" sz="1800" b="1"/>
-              <a:t>.</a:t>
-            </a:r>
-          </a:p>
-          <a:p>
-            <a:pPr marL="109728" indent="0">
-              <a:buNone/>
-            </a:pPr>
+              <a:rPr lang="en-US" altLang="ko-KR" dirty="0"/>
+              <a:t>{</a:t>
+            </a:r>
             <a:br>
-              <a:rPr lang="en-US" altLang="ko-KR" sz="1800"/>
+              <a:rPr lang="en-US" altLang="ko-KR" dirty="0"/>
             </a:br>
-            <a:endParaRPr lang="ko-KR" altLang="en-US" sz="1800"/>
-          </a:p>
-        </p:txBody>
-      </p:sp>
-      <p:sp>
-        <p:nvSpPr>
-          <p:cNvPr id="3" name="제목 2"/>
+            <a:r>
+              <a:rPr lang="en-US" altLang="ko-KR" dirty="0"/>
+              <a:t>	“</a:t>
+            </a:r>
+            <a:r>
+              <a:rPr lang="en-US" altLang="ko-KR" dirty="0" err="1"/>
+              <a:t>empolyees</a:t>
+            </a:r>
+            <a:r>
+              <a:rPr lang="en-US" altLang="ko-KR" dirty="0"/>
+              <a:t>” : [</a:t>
+            </a:r>
+            <a:br>
+              <a:rPr lang="en-US" altLang="ko-KR" dirty="0"/>
+            </a:br>
+            <a:r>
+              <a:rPr lang="en-US" altLang="ko-KR" dirty="0"/>
+              <a:t>	     {“</a:t>
+            </a:r>
+            <a:r>
+              <a:rPr lang="en-US" altLang="ko-KR" dirty="0" err="1"/>
+              <a:t>firstName</a:t>
+            </a:r>
+            <a:r>
+              <a:rPr lang="en-US" altLang="ko-KR" dirty="0"/>
+              <a:t>” : “John”, “</a:t>
+            </a:r>
+            <a:r>
+              <a:rPr lang="en-US" altLang="ko-KR" dirty="0" err="1"/>
+              <a:t>lastName</a:t>
+            </a:r>
+            <a:r>
+              <a:rPr lang="en-US" altLang="ko-KR" dirty="0"/>
+              <a:t>” : “Doe”},</a:t>
+            </a:r>
+          </a:p>
+          <a:p>
+            <a:pPr marL="109728" indent="0">
+              <a:buNone/>
+            </a:pPr>
+            <a:r>
+              <a:rPr lang="en-US" altLang="ko-KR" dirty="0"/>
+              <a:t>                 {“</a:t>
+            </a:r>
+            <a:r>
+              <a:rPr lang="en-US" altLang="ko-KR" dirty="0" err="1"/>
+              <a:t>firstName</a:t>
+            </a:r>
+            <a:r>
+              <a:rPr lang="en-US" altLang="ko-KR" dirty="0"/>
+              <a:t>” : “Anna”, “</a:t>
+            </a:r>
+            <a:r>
+              <a:rPr lang="en-US" altLang="ko-KR" dirty="0" err="1"/>
+              <a:t>lastName</a:t>
+            </a:r>
+            <a:r>
+              <a:rPr lang="en-US" altLang="ko-KR" dirty="0"/>
+              <a:t>” : “Smith”},</a:t>
+            </a:r>
+          </a:p>
+          <a:p>
+            <a:pPr marL="109728" indent="0">
+              <a:buNone/>
+            </a:pPr>
+            <a:r>
+              <a:rPr lang="en-US" altLang="ko-KR" dirty="0"/>
+              <a:t>	      {“</a:t>
+            </a:r>
+            <a:r>
+              <a:rPr lang="en-US" altLang="ko-KR" dirty="0" err="1"/>
+              <a:t>firstName</a:t>
+            </a:r>
+            <a:r>
+              <a:rPr lang="en-US" altLang="ko-KR" dirty="0"/>
+              <a:t>” : “Peter”, “</a:t>
+            </a:r>
+            <a:r>
+              <a:rPr lang="en-US" altLang="ko-KR" dirty="0" err="1"/>
+              <a:t>lastName</a:t>
+            </a:r>
+            <a:r>
+              <a:rPr lang="en-US" altLang="ko-KR" dirty="0"/>
+              <a:t>” : “Jones”} 		</a:t>
+            </a:r>
+            <a:br>
+              <a:rPr lang="en-US" altLang="ko-KR" dirty="0"/>
+            </a:br>
+            <a:r>
+              <a:rPr lang="en-US" altLang="ko-KR" dirty="0"/>
+              <a:t>	]</a:t>
+            </a:r>
+            <a:br>
+              <a:rPr lang="en-US" altLang="ko-KR" dirty="0"/>
+            </a:br>
+            <a:r>
+              <a:rPr lang="en-US" altLang="ko-KR" dirty="0"/>
+              <a:t>    }</a:t>
+            </a:r>
+          </a:p>
+          <a:p>
+            <a:pPr marL="109728" indent="0">
+              <a:buNone/>
+            </a:pPr>
+            <a:r>
+              <a:rPr lang="en-US" altLang="ko-KR" dirty="0"/>
+              <a:t>Json</a:t>
+            </a:r>
+            <a:r>
+              <a:rPr lang="ko-KR" altLang="en-US" dirty="0"/>
+              <a:t>은 </a:t>
+            </a:r>
+            <a:r>
+              <a:rPr lang="en-US" altLang="ko-KR" dirty="0" err="1"/>
+              <a:t>js</a:t>
+            </a:r>
+            <a:r>
+              <a:rPr lang="ko-KR" altLang="en-US" dirty="0"/>
+              <a:t>의 </a:t>
+            </a:r>
+            <a:r>
+              <a:rPr lang="en-US" altLang="ko-KR" dirty="0"/>
+              <a:t>object</a:t>
+            </a:r>
+            <a:r>
+              <a:rPr lang="ko-KR" altLang="en-US" dirty="0"/>
+              <a:t>처럼 </a:t>
+            </a:r>
+            <a:r>
+              <a:rPr lang="en-US" altLang="ko-KR" dirty="0"/>
+              <a:t>{  }</a:t>
+            </a:r>
+            <a:r>
+              <a:rPr lang="ko-KR" altLang="en-US" dirty="0"/>
+              <a:t>에 </a:t>
+            </a:r>
+            <a:r>
+              <a:rPr lang="en-US" altLang="ko-KR" dirty="0"/>
+              <a:t>“name”</a:t>
+            </a:r>
+            <a:r>
+              <a:rPr lang="ko-KR" altLang="en-US" dirty="0"/>
+              <a:t> </a:t>
+            </a:r>
+            <a:r>
+              <a:rPr lang="en-US" altLang="ko-KR" dirty="0"/>
+              <a:t>:</a:t>
+            </a:r>
+            <a:r>
+              <a:rPr lang="ko-KR" altLang="en-US" dirty="0"/>
+              <a:t> </a:t>
+            </a:r>
+            <a:r>
+              <a:rPr lang="en-US" altLang="ko-KR" dirty="0"/>
+              <a:t>“value”, “name” : “value”,…….</a:t>
+            </a:r>
+          </a:p>
+          <a:p>
+            <a:pPr marL="109728" indent="0">
+              <a:buNone/>
+            </a:pPr>
+            <a:r>
+              <a:rPr lang="ko-KR" altLang="en-US" dirty="0" err="1"/>
+              <a:t>처럼</a:t>
+            </a:r>
+            <a:r>
+              <a:rPr lang="ko-KR" altLang="en-US" dirty="0"/>
+              <a:t> 사용</a:t>
+            </a:r>
+            <a:r>
+              <a:rPr lang="en-US" altLang="ko-KR" dirty="0"/>
+              <a:t>(</a:t>
+            </a:r>
+            <a:r>
+              <a:rPr lang="ko-KR" altLang="en-US" dirty="0"/>
+              <a:t>단 </a:t>
+            </a:r>
+            <a:r>
+              <a:rPr lang="en-US" altLang="ko-KR" dirty="0" err="1"/>
+              <a:t>js</a:t>
+            </a:r>
+            <a:r>
+              <a:rPr lang="ko-KR" altLang="en-US" dirty="0"/>
+              <a:t>의 </a:t>
+            </a:r>
+            <a:r>
+              <a:rPr lang="en-US" altLang="ko-KR" dirty="0"/>
+              <a:t>name</a:t>
+            </a:r>
+            <a:r>
+              <a:rPr lang="ko-KR" altLang="en-US" dirty="0"/>
+              <a:t>은 따옴표가 없으나 </a:t>
+            </a:r>
+            <a:r>
+              <a:rPr lang="en-US" altLang="ko-KR" dirty="0"/>
+              <a:t>json</a:t>
+            </a:r>
+            <a:r>
+              <a:rPr lang="ko-KR" altLang="en-US" dirty="0"/>
+              <a:t>은 </a:t>
+            </a:r>
+            <a:r>
+              <a:rPr lang="en-US" altLang="ko-KR" dirty="0"/>
+              <a:t>“name”</a:t>
+            </a:r>
+            <a:r>
+              <a:rPr lang="ko-KR" altLang="en-US" dirty="0"/>
+              <a:t>형태여야 함</a:t>
+            </a:r>
+            <a:r>
+              <a:rPr lang="en-US" altLang="ko-KR" dirty="0"/>
+              <a:t>)</a:t>
+            </a:r>
+          </a:p>
+          <a:p>
+            <a:pPr marL="109728" indent="0">
+              <a:buNone/>
+            </a:pPr>
+            <a:r>
+              <a:rPr lang="en-US" altLang="ko-KR" dirty="0"/>
+              <a:t>Json</a:t>
+            </a:r>
+            <a:r>
+              <a:rPr lang="ko-KR" altLang="en-US" dirty="0"/>
+              <a:t>의 구성요소가 객체시에도 동일한 방법으로 객체를 작성</a:t>
+            </a:r>
+          </a:p>
+        </p:txBody>
+      </p:sp>
+      <p:sp>
+        <p:nvSpPr>
+          <p:cNvPr id="3" name="제목 2">
+            <a:extLst>
+              <a:ext uri="{FF2B5EF4-FFF2-40B4-BE49-F238E27FC236}">
+                <a16:creationId xmlns:a16="http://schemas.microsoft.com/office/drawing/2014/main" id="{4542CFC6-870F-4255-AC55-8B0678CA8295}"/>
+              </a:ext>
+            </a:extLst>
+          </p:cNvPr>
           <p:cNvSpPr>
             <a:spLocks noGrp="1"/>
           </p:cNvSpPr>
@@ -6888,125 +7339,31 @@
             <p:ph type="title"/>
           </p:nvPr>
         </p:nvSpPr>
-        <p:spPr>
-          <a:xfrm>
-            <a:off x="457200" y="274638"/>
-            <a:ext cx="8229600" cy="562074"/>
-          </a:xfrm>
-        </p:spPr>
-        <p:txBody>
-          <a:bodyPr>
-            <a:normAutofit fontScale="90000"/>
-          </a:bodyPr>
+        <p:spPr/>
+        <p:txBody>
+          <a:bodyPr/>
           <a:lstStyle/>
           <a:p>
             <a:r>
-              <a:rPr lang="en-US" altLang="ko-KR" sz="2400">
-                <a:solidFill>
-                  <a:srgbClr val="555555"/>
-                </a:solidFill>
-                <a:effectLst/>
-                <a:latin typeface="AppleSDGothicNeo"/>
-              </a:rPr>
-              <a:t>@RestController (</a:t>
-            </a:r>
-            <a:r>
-              <a:rPr lang="ko-KR" altLang="en-US" sz="2400">
-                <a:solidFill>
-                  <a:srgbClr val="555555"/>
-                </a:solidFill>
-                <a:effectLst/>
-                <a:latin typeface="AppleSDGothicNeo"/>
-              </a:rPr>
-              <a:t>전부 </a:t>
-            </a:r>
-            <a:r>
-              <a:rPr lang="en-US" altLang="ko-KR" sz="2400">
-                <a:solidFill>
-                  <a:srgbClr val="555555"/>
-                </a:solidFill>
-                <a:effectLst/>
-                <a:latin typeface="AppleSDGothicNeo"/>
-              </a:rPr>
-              <a:t>@ResponseBody</a:t>
-            </a:r>
-            <a:r>
-              <a:rPr lang="ko-KR" altLang="en-US" sz="2400">
-                <a:solidFill>
-                  <a:srgbClr val="555555"/>
-                </a:solidFill>
-                <a:effectLst/>
-                <a:latin typeface="AppleSDGothicNeo"/>
-              </a:rPr>
-              <a:t>를 사용시에 적용 만일</a:t>
-            </a:r>
-            <a:br>
-              <a:rPr lang="en-US" altLang="ko-KR" sz="2400">
-                <a:solidFill>
-                  <a:srgbClr val="555555"/>
-                </a:solidFill>
-                <a:effectLst/>
-                <a:latin typeface="AppleSDGothicNeo"/>
-              </a:rPr>
-            </a:br>
-            <a:r>
-              <a:rPr lang="en-US" altLang="ko-KR" sz="2400">
-                <a:solidFill>
-                  <a:srgbClr val="555555"/>
-                </a:solidFill>
-                <a:effectLst/>
-                <a:latin typeface="AppleSDGothicNeo"/>
-              </a:rPr>
-              <a:t>   </a:t>
-            </a:r>
-            <a:r>
-              <a:rPr lang="ko-KR" altLang="en-US" sz="2400">
-                <a:solidFill>
-                  <a:srgbClr val="555555"/>
-                </a:solidFill>
-                <a:effectLst/>
-                <a:latin typeface="AppleSDGothicNeo"/>
-              </a:rPr>
-              <a:t>원래의 </a:t>
-            </a:r>
-            <a:r>
-              <a:rPr lang="en-US" altLang="ko-KR" sz="2400">
-                <a:solidFill>
-                  <a:srgbClr val="555555"/>
-                </a:solidFill>
-                <a:effectLst/>
-                <a:latin typeface="AppleSDGothicNeo"/>
-              </a:rPr>
-              <a:t>@ResponseBody</a:t>
-            </a:r>
-            <a:r>
-              <a:rPr lang="ko-KR" altLang="en-US" sz="2400">
-                <a:solidFill>
-                  <a:srgbClr val="555555"/>
-                </a:solidFill>
-                <a:effectLst/>
-                <a:latin typeface="AppleSDGothicNeo"/>
-              </a:rPr>
-              <a:t>가 없는 것은  동작 안함</a:t>
-            </a:r>
-            <a:r>
-              <a:rPr lang="en-US" altLang="ko-KR" sz="2400">
-                <a:solidFill>
-                  <a:srgbClr val="555555"/>
-                </a:solidFill>
-                <a:effectLst/>
-                <a:latin typeface="AppleSDGothicNeo"/>
-              </a:rPr>
-              <a:t>)</a:t>
-            </a:r>
-            <a:endParaRPr lang="ko-KR" altLang="en-US" sz="2400"/>
+              <a:rPr lang="en-US" altLang="ko-KR" dirty="0"/>
+              <a:t>Js</a:t>
+            </a:r>
+            <a:r>
+              <a:rPr lang="ko-KR" altLang="en-US" dirty="0"/>
+              <a:t> </a:t>
+            </a:r>
+            <a:r>
+              <a:rPr lang="en-US" altLang="ko-KR" dirty="0"/>
+              <a:t>json</a:t>
+            </a:r>
+            <a:endParaRPr lang="ko-KR" altLang="en-US" dirty="0"/>
           </a:p>
         </p:txBody>
       </p:sp>
     </p:spTree>
     <p:extLst>
       <p:ext uri="{BB962C8B-B14F-4D97-AF65-F5344CB8AC3E}">
-        <p14:creationId xmlns:p14="http://schemas.microsoft.com/office/powerpoint/2010/main" val="1325580156"/>
+        <p14:creationId xmlns:p14="http://schemas.microsoft.com/office/powerpoint/2010/main" val="767013187"/>
       </p:ext>
     </p:extLst>
   </p:cSld>
@@ -7035,7 +7392,13 @@
       </p:grpSpPr>
       <p:sp>
         <p:nvSpPr>
-          <p:cNvPr id="2" name="내용 개체 틀 1"/>
+          <p:cNvPr id="2" name="내용 개체 틀 1">
+            <a:extLst>
+              <a:ext uri="{FF2B5EF4-FFF2-40B4-BE49-F238E27FC236}">
+                <a16:creationId xmlns:a16="http://schemas.microsoft.com/office/drawing/2014/main" id="{F3BFAACA-C9CA-4695-AF4C-7454AC9AA6D0}"/>
+              </a:ext>
+            </a:extLst>
+          </p:cNvPr>
           <p:cNvSpPr>
             <a:spLocks noGrp="1"/>
           </p:cNvSpPr>
@@ -7045,179 +7408,420 @@
         </p:nvSpPr>
         <p:spPr>
           <a:xfrm>
-            <a:off x="457200" y="836712"/>
-            <a:ext cx="8229600" cy="5170579"/>
+            <a:off x="457200" y="332656"/>
+            <a:ext cx="8229600" cy="5674635"/>
           </a:xfrm>
         </p:spPr>
         <p:txBody>
           <a:bodyPr>
-            <a:normAutofit/>
+            <a:normAutofit fontScale="70000" lnSpcReduction="20000"/>
           </a:bodyPr>
           <a:lstStyle/>
           <a:p>
-            <a:pPr marL="109728" indent="0">
-              <a:buNone/>
-            </a:pPr>
-            <a:r>
-              <a:rPr lang="en-US" altLang="ko-KR" sz="1800"/>
-              <a:t> &lt;dependency&gt;</a:t>
-            </a:r>
-          </a:p>
-          <a:p>
-            <a:pPr marL="109728" indent="0">
-              <a:buNone/>
-            </a:pPr>
-            <a:r>
-              <a:rPr lang="en-US" altLang="ko-KR" sz="1800"/>
-              <a:t>            &lt;groupId&gt;commons-fileupload&lt;/groupId&gt;</a:t>
-            </a:r>
-          </a:p>
-          <a:p>
-            <a:pPr marL="109728" indent="0">
-              <a:buNone/>
-            </a:pPr>
-            <a:r>
-              <a:rPr lang="en-US" altLang="ko-KR" sz="1800"/>
-              <a:t>            &lt;artifactId&gt;commons-fileupload&lt;/artifactId&gt;</a:t>
-            </a:r>
-          </a:p>
-          <a:p>
-            <a:pPr marL="109728" indent="0">
-              <a:buNone/>
-            </a:pPr>
-            <a:r>
-              <a:rPr lang="en-US" altLang="ko-KR" sz="1800"/>
-              <a:t>            &lt;version&gt;1.3.2&lt;/version&gt;</a:t>
-            </a:r>
-          </a:p>
-          <a:p>
-            <a:pPr marL="109728" indent="0">
-              <a:buNone/>
-            </a:pPr>
-            <a:r>
-              <a:rPr lang="en-US" altLang="ko-KR" sz="1800"/>
-              <a:t>        &lt;/dependency&gt; </a:t>
-            </a:r>
-          </a:p>
-          <a:p>
-            <a:pPr marL="109728" indent="0">
-              <a:buNone/>
-            </a:pPr>
-            <a:r>
-              <a:rPr lang="en-US" altLang="ko-KR" sz="1800"/>
-              <a:t>        &lt;dependency&gt;</a:t>
-            </a:r>
-          </a:p>
-          <a:p>
-            <a:pPr marL="109728" indent="0">
-              <a:buNone/>
-            </a:pPr>
-            <a:r>
-              <a:rPr lang="en-US" altLang="ko-KR" sz="1800"/>
-              <a:t>            &lt;groupId&gt;commons-io&lt;/groupId&gt;</a:t>
-            </a:r>
-          </a:p>
-          <a:p>
-            <a:pPr marL="109728" indent="0">
-              <a:buNone/>
-            </a:pPr>
-            <a:r>
-              <a:rPr lang="en-US" altLang="ko-KR" sz="1800"/>
-              <a:t>            &lt;artifactId&gt;commons-io&lt;/artifactId&gt;</a:t>
-            </a:r>
-          </a:p>
-          <a:p>
-            <a:pPr marL="109728" indent="0">
-              <a:buNone/>
-            </a:pPr>
-            <a:r>
-              <a:rPr lang="en-US" altLang="ko-KR" sz="1800"/>
-              <a:t>            &lt;version&gt;2.5&lt;/version&gt;</a:t>
-            </a:r>
-          </a:p>
-          <a:p>
-            <a:pPr marL="109728" indent="0">
-              <a:buNone/>
-            </a:pPr>
-            <a:r>
-              <a:rPr lang="en-US" altLang="ko-KR" sz="1800"/>
-              <a:t>        &lt;/dependency&gt;</a:t>
-            </a:r>
-          </a:p>
-          <a:p>
-            <a:pPr marL="109728" indent="0">
-              <a:buNone/>
-            </a:pPr>
-            <a:endParaRPr lang="en-US" altLang="ko-KR" sz="1800"/>
-          </a:p>
-          <a:p>
-            <a:endParaRPr lang="en-US" altLang="ko-KR" sz="1800"/>
-          </a:p>
-          <a:p>
-            <a:endParaRPr lang="ko-KR" altLang="en-US" sz="1800"/>
-          </a:p>
-        </p:txBody>
-      </p:sp>
-      <p:sp>
-        <p:nvSpPr>
-          <p:cNvPr id="3" name="제목 2"/>
-          <p:cNvSpPr>
-            <a:spLocks noGrp="1"/>
-          </p:cNvSpPr>
-          <p:nvPr>
-            <p:ph type="title"/>
-          </p:nvPr>
-        </p:nvSpPr>
-        <p:spPr>
-          <a:xfrm>
-            <a:off x="457200" y="274638"/>
-            <a:ext cx="8229600" cy="562074"/>
-          </a:xfrm>
-        </p:spPr>
-        <p:txBody>
-          <a:bodyPr>
-            <a:normAutofit/>
-          </a:bodyPr>
-          <a:lstStyle/>
-          <a:p>
-            <a:r>
-              <a:rPr lang="ko-KR" altLang="en-US" sz="2400">
-                <a:solidFill>
-                  <a:srgbClr val="555555"/>
-                </a:solidFill>
-                <a:effectLst/>
-                <a:latin typeface="AppleSDGothicNeo"/>
-              </a:rPr>
-              <a:t>파일 업로드를 </a:t>
-            </a:r>
-            <a:r>
-              <a:rPr lang="en-US" altLang="ko-KR" sz="2400">
-                <a:solidFill>
-                  <a:srgbClr val="555555"/>
-                </a:solidFill>
-                <a:effectLst/>
-                <a:latin typeface="AppleSDGothicNeo"/>
-              </a:rPr>
-              <a:t>AJAX </a:t>
-            </a:r>
-            <a:r>
-              <a:rPr lang="ko-KR" altLang="en-US" sz="2400">
-                <a:solidFill>
-                  <a:srgbClr val="555555"/>
-                </a:solidFill>
-                <a:effectLst/>
-                <a:latin typeface="AppleSDGothicNeo"/>
-              </a:rPr>
-              <a:t>처리</a:t>
-            </a:r>
-            <a:endParaRPr lang="ko-KR" altLang="en-US" sz="2400"/>
+            <a:r>
+              <a:rPr lang="en-US" altLang="ko-KR" dirty="0"/>
+              <a:t>Json</a:t>
+            </a:r>
+            <a:r>
+              <a:rPr lang="ko-KR" altLang="en-US" dirty="0"/>
+              <a:t>과 </a:t>
+            </a:r>
+            <a:r>
+              <a:rPr lang="en-US" altLang="ko-KR" dirty="0" err="1"/>
+              <a:t>js</a:t>
+            </a:r>
+            <a:r>
+              <a:rPr lang="ko-KR" altLang="en-US" dirty="0"/>
+              <a:t>에서 객체를 만드는 구문은 거의 유사해서 </a:t>
+            </a:r>
+            <a:r>
+              <a:rPr lang="en-US" altLang="ko-KR" dirty="0" err="1"/>
+              <a:t>js</a:t>
+            </a:r>
+            <a:r>
+              <a:rPr lang="ko-KR" altLang="en-US" dirty="0"/>
+              <a:t>프로그램에서 </a:t>
+            </a:r>
+            <a:r>
+              <a:rPr lang="en-US" altLang="ko-KR" dirty="0"/>
+              <a:t>json</a:t>
+            </a:r>
+            <a:r>
+              <a:rPr lang="ko-KR" altLang="en-US" dirty="0"/>
+              <a:t>을 쉽게 </a:t>
+            </a:r>
+            <a:r>
+              <a:rPr lang="en-US" altLang="ko-KR" dirty="0" err="1"/>
+              <a:t>js</a:t>
+            </a:r>
+            <a:r>
+              <a:rPr lang="ko-KR" altLang="en-US" dirty="0"/>
+              <a:t>객체로 변환 할  수 있음</a:t>
+            </a:r>
+            <a:endParaRPr lang="en-US" altLang="ko-KR" dirty="0"/>
+          </a:p>
+          <a:p>
+            <a:r>
+              <a:rPr lang="en-US" altLang="ko-KR" dirty="0" err="1"/>
+              <a:t>Josm</a:t>
+            </a:r>
+            <a:r>
+              <a:rPr lang="ko-KR" altLang="en-US" dirty="0"/>
+              <a:t>구문 규칙</a:t>
+            </a:r>
+            <a:br>
+              <a:rPr lang="en-US" altLang="ko-KR" dirty="0"/>
+            </a:br>
+            <a:r>
+              <a:rPr lang="en-US" altLang="ko-KR" dirty="0"/>
+              <a:t>-</a:t>
+            </a:r>
+            <a:r>
+              <a:rPr lang="ko-KR" altLang="en-US" dirty="0"/>
+              <a:t>데이터는 </a:t>
+            </a:r>
+            <a:r>
+              <a:rPr lang="en-US" altLang="ko-KR" dirty="0"/>
+              <a:t>name/value</a:t>
+            </a:r>
+            <a:r>
+              <a:rPr lang="ko-KR" altLang="en-US" dirty="0"/>
+              <a:t> 쌍으로 구성</a:t>
+            </a:r>
+            <a:r>
+              <a:rPr lang="en-US" altLang="ko-KR" dirty="0"/>
+              <a:t>(</a:t>
+            </a:r>
+            <a:r>
+              <a:rPr lang="en-US" altLang="ko-KR" dirty="0" err="1"/>
+              <a:t>name:value</a:t>
+            </a:r>
+            <a:r>
+              <a:rPr lang="en-US" altLang="ko-KR" dirty="0"/>
+              <a:t>)</a:t>
+            </a:r>
+            <a:br>
+              <a:rPr lang="en-US" altLang="ko-KR" dirty="0"/>
+            </a:br>
+            <a:r>
+              <a:rPr lang="en-US" altLang="ko-KR" dirty="0"/>
+              <a:t>-</a:t>
+            </a:r>
+            <a:r>
+              <a:rPr lang="ko-KR" altLang="en-US" dirty="0"/>
+              <a:t>데이터간</a:t>
+            </a:r>
+            <a:r>
+              <a:rPr lang="en-US" altLang="ko-KR" dirty="0"/>
+              <a:t> </a:t>
+            </a:r>
+            <a:r>
+              <a:rPr lang="ko-KR" altLang="en-US" dirty="0"/>
+              <a:t>구분은 </a:t>
+            </a:r>
+            <a:r>
+              <a:rPr lang="en-US" altLang="ko-KR" dirty="0"/>
+              <a:t>,</a:t>
+            </a:r>
+            <a:r>
+              <a:rPr lang="ko-KR" altLang="en-US" dirty="0" err="1"/>
+              <a:t>로한다</a:t>
+            </a:r>
+            <a:br>
+              <a:rPr lang="en-US" altLang="ko-KR" dirty="0"/>
+            </a:br>
+            <a:r>
+              <a:rPr lang="en-US" altLang="ko-KR" dirty="0"/>
+              <a:t>-</a:t>
+            </a:r>
+            <a:r>
+              <a:rPr lang="ko-KR" altLang="en-US" dirty="0"/>
+              <a:t>객체를 </a:t>
+            </a:r>
+            <a:r>
+              <a:rPr lang="ko-KR" altLang="en-US" dirty="0" err="1"/>
+              <a:t>나타낼시는</a:t>
+            </a:r>
+            <a:r>
+              <a:rPr lang="ko-KR" altLang="en-US" dirty="0"/>
+              <a:t> </a:t>
+            </a:r>
+            <a:r>
+              <a:rPr lang="en-US" altLang="ko-KR" dirty="0"/>
+              <a:t>{ }</a:t>
+            </a:r>
+            <a:r>
+              <a:rPr lang="ko-KR" altLang="en-US" dirty="0"/>
+              <a:t>로 한다</a:t>
+            </a:r>
+            <a:r>
+              <a:rPr lang="en-US" altLang="ko-KR" dirty="0"/>
+              <a:t>.</a:t>
+            </a:r>
+            <a:br>
+              <a:rPr lang="en-US" altLang="ko-KR" dirty="0"/>
+            </a:br>
+            <a:r>
+              <a:rPr lang="en-US" altLang="ko-KR" dirty="0"/>
+              <a:t>_</a:t>
+            </a:r>
+            <a:r>
+              <a:rPr lang="ko-KR" altLang="en-US" dirty="0"/>
+              <a:t>배열을 </a:t>
+            </a:r>
+            <a:r>
+              <a:rPr lang="ko-KR" altLang="en-US" dirty="0" err="1"/>
+              <a:t>나타낼시는</a:t>
+            </a:r>
+            <a:r>
+              <a:rPr lang="en-US" altLang="ko-KR" dirty="0"/>
+              <a:t>[ ]</a:t>
+            </a:r>
+            <a:r>
+              <a:rPr lang="ko-KR" altLang="en-US" dirty="0"/>
+              <a:t>를 사용</a:t>
+            </a:r>
+            <a:endParaRPr lang="en-US" altLang="ko-KR" dirty="0"/>
+          </a:p>
+          <a:p>
+            <a:r>
+              <a:rPr lang="en-US" altLang="ko-KR" dirty="0"/>
+              <a:t>Name</a:t>
+            </a:r>
+            <a:r>
+              <a:rPr lang="ko-KR" altLang="en-US" dirty="0"/>
+              <a:t>과 </a:t>
+            </a:r>
+            <a:r>
+              <a:rPr lang="en-US" altLang="ko-KR" dirty="0"/>
+              <a:t>value</a:t>
+            </a:r>
+            <a:r>
+              <a:rPr lang="ko-KR" altLang="en-US" dirty="0"/>
+              <a:t>표시</a:t>
+            </a:r>
+            <a:br>
+              <a:rPr lang="en-US" altLang="ko-KR" dirty="0"/>
+            </a:br>
+            <a:r>
+              <a:rPr lang="en-US" altLang="ko-KR" dirty="0"/>
+              <a:t>“</a:t>
+            </a:r>
+            <a:r>
+              <a:rPr lang="en-US" altLang="ko-KR" dirty="0" err="1"/>
+              <a:t>firstName</a:t>
+            </a:r>
+            <a:r>
+              <a:rPr lang="en-US" altLang="ko-KR" dirty="0"/>
+              <a:t>” : “John” //</a:t>
+            </a:r>
+            <a:r>
+              <a:rPr lang="en-US" altLang="ko-KR" dirty="0" err="1"/>
+              <a:t>js</a:t>
+            </a:r>
+            <a:r>
+              <a:rPr lang="ko-KR" altLang="en-US" dirty="0"/>
+              <a:t>에서 </a:t>
+            </a:r>
+            <a:r>
+              <a:rPr lang="en-US" altLang="ko-KR" dirty="0"/>
+              <a:t>name</a:t>
+            </a:r>
+            <a:r>
+              <a:rPr lang="ko-KR" altLang="en-US" dirty="0"/>
+              <a:t>에는 </a:t>
+            </a:r>
+            <a:r>
+              <a:rPr lang="en-US" altLang="ko-KR" dirty="0"/>
+              <a:t>“ ”</a:t>
+            </a:r>
+            <a:r>
+              <a:rPr lang="ko-KR" altLang="en-US" dirty="0"/>
+              <a:t>없음</a:t>
+            </a:r>
+            <a:endParaRPr lang="en-US" altLang="ko-KR" dirty="0"/>
+          </a:p>
+          <a:p>
+            <a:r>
+              <a:rPr lang="en-US" altLang="ko-KR" dirty="0"/>
+              <a:t>Json</a:t>
+            </a:r>
+            <a:r>
+              <a:rPr lang="ko-KR" altLang="en-US" dirty="0"/>
+              <a:t> 객체</a:t>
+            </a:r>
+            <a:br>
+              <a:rPr lang="en-US" altLang="ko-KR" dirty="0"/>
+            </a:br>
+            <a:r>
+              <a:rPr lang="en-US" altLang="ko-KR" dirty="0"/>
+              <a:t>{“</a:t>
+            </a:r>
+            <a:r>
+              <a:rPr lang="en-US" altLang="ko-KR" dirty="0" err="1"/>
+              <a:t>firstName</a:t>
+            </a:r>
+            <a:r>
+              <a:rPr lang="en-US" altLang="ko-KR" dirty="0"/>
+              <a:t>” : “John” , “</a:t>
+            </a:r>
+            <a:r>
+              <a:rPr lang="en-US" altLang="ko-KR" dirty="0" err="1"/>
+              <a:t>lastName</a:t>
+            </a:r>
+            <a:r>
+              <a:rPr lang="en-US" altLang="ko-KR" dirty="0"/>
+              <a:t>” : “Doe”}</a:t>
+            </a:r>
+          </a:p>
+          <a:p>
+            <a:r>
+              <a:rPr lang="en-US" altLang="ko-KR" dirty="0"/>
+              <a:t>Json </a:t>
+            </a:r>
+            <a:r>
+              <a:rPr lang="ko-KR" altLang="en-US" dirty="0"/>
+              <a:t>배열 표시법</a:t>
+            </a:r>
+            <a:br>
+              <a:rPr lang="en-US" altLang="ko-KR" dirty="0"/>
+            </a:br>
+            <a:r>
+              <a:rPr lang="en-US" altLang="ko-KR" dirty="0"/>
+              <a:t>json</a:t>
+            </a:r>
+            <a:r>
+              <a:rPr lang="ko-KR" altLang="en-US" dirty="0"/>
+              <a:t>에서 배열은 </a:t>
+            </a:r>
+            <a:r>
+              <a:rPr lang="en-US" altLang="ko-KR" dirty="0"/>
+              <a:t>[ ]</a:t>
+            </a:r>
+            <a:r>
+              <a:rPr lang="ko-KR" altLang="en-US" dirty="0"/>
+              <a:t>에</a:t>
+            </a:r>
+            <a:r>
+              <a:rPr lang="en-US" altLang="ko-KR" dirty="0"/>
+              <a:t> </a:t>
+            </a:r>
+            <a:r>
+              <a:rPr lang="ko-KR" altLang="en-US" dirty="0"/>
+              <a:t>작성</a:t>
+            </a:r>
+            <a:br>
+              <a:rPr lang="en-US" altLang="ko-KR" dirty="0"/>
+            </a:br>
+            <a:r>
+              <a:rPr lang="en-US" altLang="ko-KR" dirty="0" err="1"/>
+              <a:t>js</a:t>
+            </a:r>
+            <a:r>
+              <a:rPr lang="ko-KR" altLang="en-US" dirty="0"/>
+              <a:t>처럼 배열은 객체를 포함할 수 있음</a:t>
+            </a:r>
+            <a:endParaRPr lang="en-US" altLang="ko-KR" dirty="0"/>
+          </a:p>
+          <a:p>
+            <a:pPr marL="109728" indent="0">
+              <a:buNone/>
+            </a:pPr>
+            <a:r>
+              <a:rPr lang="en-US" altLang="ko-KR" dirty="0"/>
+              <a:t>    “employees” : [</a:t>
+            </a:r>
+            <a:br>
+              <a:rPr lang="en-US" altLang="ko-KR" dirty="0"/>
+            </a:br>
+            <a:r>
+              <a:rPr lang="en-US" altLang="ko-KR" dirty="0"/>
+              <a:t>	{“</a:t>
+            </a:r>
+            <a:r>
+              <a:rPr lang="en-US" altLang="ko-KR" dirty="0" err="1"/>
+              <a:t>firstName</a:t>
+            </a:r>
+            <a:r>
+              <a:rPr lang="en-US" altLang="ko-KR" dirty="0"/>
+              <a:t>” : “John”, “</a:t>
+            </a:r>
+            <a:r>
+              <a:rPr lang="en-US" altLang="ko-KR" dirty="0" err="1"/>
+              <a:t>lastName</a:t>
+            </a:r>
+            <a:r>
+              <a:rPr lang="en-US" altLang="ko-KR" dirty="0"/>
+              <a:t>” : “Doe”},</a:t>
+            </a:r>
+          </a:p>
+          <a:p>
+            <a:pPr marL="109728" indent="0">
+              <a:buNone/>
+            </a:pPr>
+            <a:r>
+              <a:rPr lang="en-US" altLang="ko-KR" dirty="0"/>
+              <a:t>           {“</a:t>
+            </a:r>
+            <a:r>
+              <a:rPr lang="en-US" altLang="ko-KR" dirty="0" err="1"/>
+              <a:t>firstName</a:t>
+            </a:r>
+            <a:r>
+              <a:rPr lang="en-US" altLang="ko-KR" dirty="0"/>
+              <a:t>” : “Anna”, “</a:t>
+            </a:r>
+            <a:r>
+              <a:rPr lang="en-US" altLang="ko-KR" dirty="0" err="1"/>
+              <a:t>lastName</a:t>
+            </a:r>
+            <a:r>
+              <a:rPr lang="en-US" altLang="ko-KR" dirty="0"/>
+              <a:t>” : “Smith”},</a:t>
+            </a:r>
+          </a:p>
+          <a:p>
+            <a:pPr marL="109728" indent="0">
+              <a:buNone/>
+            </a:pPr>
+            <a:r>
+              <a:rPr lang="en-US" altLang="ko-KR" dirty="0"/>
+              <a:t>	{“</a:t>
+            </a:r>
+            <a:r>
+              <a:rPr lang="en-US" altLang="ko-KR" dirty="0" err="1"/>
+              <a:t>firstName</a:t>
+            </a:r>
+            <a:r>
+              <a:rPr lang="en-US" altLang="ko-KR" dirty="0"/>
+              <a:t>” : “Peter”, “</a:t>
+            </a:r>
+            <a:r>
+              <a:rPr lang="en-US" altLang="ko-KR" dirty="0" err="1"/>
+              <a:t>lastName</a:t>
+            </a:r>
+            <a:r>
+              <a:rPr lang="en-US" altLang="ko-KR" dirty="0"/>
+              <a:t>” : “Jones”} 		</a:t>
+            </a:r>
+            <a:br>
+              <a:rPr lang="en-US" altLang="ko-KR" dirty="0"/>
+            </a:br>
+            <a:r>
+              <a:rPr lang="en-US" altLang="ko-KR" dirty="0"/>
+              <a:t>      ]</a:t>
+            </a:r>
+            <a:br>
+              <a:rPr lang="en-US" altLang="ko-KR" dirty="0"/>
+            </a:br>
+            <a:endParaRPr lang="en-US" altLang="ko-KR" dirty="0"/>
           </a:p>
         </p:txBody>
       </p:sp>
     </p:spTree>
     <p:extLst>
       <p:ext uri="{BB962C8B-B14F-4D97-AF65-F5344CB8AC3E}">
-        <p14:creationId xmlns:p14="http://schemas.microsoft.com/office/powerpoint/2010/main" val="2032526297"/>
+        <p14:creationId xmlns:p14="http://schemas.microsoft.com/office/powerpoint/2010/main" val="1145245574"/>
       </p:ext>
     </p:extLst>
   </p:cSld>
@@ -7246,7 +7850,13 @@
       </p:grpSpPr>
       <p:sp>
         <p:nvSpPr>
-          <p:cNvPr id="2" name="내용 개체 틀 1"/>
+          <p:cNvPr id="2" name="내용 개체 틀 1">
+            <a:extLst>
+              <a:ext uri="{FF2B5EF4-FFF2-40B4-BE49-F238E27FC236}">
+                <a16:creationId xmlns:a16="http://schemas.microsoft.com/office/drawing/2014/main" id="{19C3ED4B-87F8-4E3C-90A9-C888E5D13E1E}"/>
+              </a:ext>
+            </a:extLst>
+          </p:cNvPr>
           <p:cNvSpPr>
             <a:spLocks noGrp="1"/>
           </p:cNvSpPr>
@@ -7256,201 +7866,328 @@
         </p:nvSpPr>
         <p:spPr>
           <a:xfrm>
-            <a:off x="457200" y="836712"/>
-            <a:ext cx="8229600" cy="5170579"/>
+            <a:off x="457200" y="332656"/>
+            <a:ext cx="8229600" cy="5674635"/>
           </a:xfrm>
         </p:spPr>
         <p:txBody>
           <a:bodyPr>
-            <a:normAutofit/>
+            <a:normAutofit fontScale="92500" lnSpcReduction="20000"/>
           </a:bodyPr>
           <a:lstStyle/>
           <a:p>
-            <a:pPr marL="109728" indent="0">
-              <a:buNone/>
-            </a:pPr>
-            <a:r>
-              <a:rPr lang="en-US" altLang="ko-KR" sz="1800"/>
-              <a:t> -servlet</a:t>
-            </a:r>
-            <a:r>
-              <a:rPr lang="ko-KR" altLang="en-US" sz="1800"/>
-              <a:t>과 </a:t>
-            </a:r>
-            <a:r>
-              <a:rPr lang="en-US" altLang="ko-KR" sz="1800"/>
-              <a:t>jsp </a:t>
-            </a:r>
-            <a:r>
-              <a:rPr lang="ko-KR" altLang="en-US" sz="1800"/>
-              <a:t>업그레이드</a:t>
+            <a:r>
+              <a:rPr lang="en-US" altLang="ko-KR" dirty="0"/>
+              <a:t>Json</a:t>
+            </a:r>
+            <a:r>
+              <a:rPr lang="ko-KR" altLang="en-US" dirty="0"/>
+              <a:t>문자열을 </a:t>
+            </a:r>
+            <a:r>
+              <a:rPr lang="en-US" altLang="ko-KR" dirty="0" err="1"/>
+              <a:t>js</a:t>
+            </a:r>
+            <a:r>
+              <a:rPr lang="ko-KR" altLang="en-US" dirty="0"/>
+              <a:t>객체로 변환하기</a:t>
             </a:r>
             <a:br>
-              <a:rPr lang="en-US" altLang="ko-KR" sz="1800"/>
+              <a:rPr lang="en-US" altLang="ko-KR" dirty="0"/>
             </a:br>
             <a:r>
-              <a:rPr lang="en-US" altLang="ko-KR" sz="1900"/>
-              <a:t>&lt;dependency&gt;</a:t>
-            </a:r>
-          </a:p>
-          <a:p>
-            <a:pPr marL="109728" indent="0">
-              <a:buNone/>
-            </a:pPr>
-            <a:r>
-              <a:rPr lang="en-US" altLang="ko-KR" sz="1900"/>
-              <a:t>       &lt;groupId&gt;javax.servlet&lt;/groupId&gt;</a:t>
-            </a:r>
-          </a:p>
-          <a:p>
-            <a:pPr marL="109728" indent="0">
-              <a:buNone/>
-            </a:pPr>
-            <a:r>
-              <a:rPr lang="en-US" altLang="ko-KR" sz="1900"/>
-              <a:t>       &lt;artifactId&gt;javax.servlet-api&lt;/artifactId&gt;</a:t>
-            </a:r>
-          </a:p>
-          <a:p>
-            <a:pPr marL="109728" indent="0">
-              <a:buNone/>
-            </a:pPr>
-            <a:r>
-              <a:rPr lang="en-US" altLang="ko-KR" sz="1900"/>
-              <a:t>       &lt;version&gt;3.0.1&lt;/version&gt;</a:t>
-            </a:r>
-          </a:p>
-          <a:p>
-            <a:pPr marL="109728" indent="0">
-              <a:buNone/>
-            </a:pPr>
-            <a:r>
-              <a:rPr lang="en-US" altLang="ko-KR" sz="1900"/>
-              <a:t>       &lt;scope&gt;provided&lt;/scope&gt;</a:t>
-            </a:r>
-          </a:p>
-          <a:p>
-            <a:pPr marL="109728" indent="0">
-              <a:buNone/>
-            </a:pPr>
-            <a:r>
-              <a:rPr lang="en-US" altLang="ko-KR" sz="1900"/>
-              <a:t>        &lt;/dependency&gt;</a:t>
-            </a:r>
-          </a:p>
-          <a:p>
-            <a:pPr marL="109728" indent="0">
-              <a:buNone/>
-            </a:pPr>
-            <a:r>
-              <a:rPr lang="en-US" altLang="ko-KR" sz="1900"/>
-              <a:t>        &lt;dependency&gt;</a:t>
-            </a:r>
-          </a:p>
-          <a:p>
-            <a:pPr marL="109728" indent="0">
-              <a:buNone/>
-            </a:pPr>
-            <a:r>
-              <a:rPr lang="en-US" altLang="ko-KR" sz="1900"/>
-              <a:t>        &lt;groupId&gt;javax.servlet.jsp&lt;/groupId&gt;</a:t>
-            </a:r>
-          </a:p>
-          <a:p>
-            <a:pPr marL="109728" indent="0">
-              <a:buNone/>
-            </a:pPr>
-            <a:r>
-              <a:rPr lang="en-US" altLang="ko-KR" sz="1900"/>
-              <a:t>        &lt;artifactId&gt;jsp-api&lt;/artifactId&gt;</a:t>
-            </a:r>
-          </a:p>
-          <a:p>
-            <a:pPr marL="109728" indent="0">
-              <a:buNone/>
-            </a:pPr>
-            <a:r>
-              <a:rPr lang="en-US" altLang="ko-KR" sz="1900"/>
-              <a:t>        &lt;version&gt;2.2&lt;/version&gt;</a:t>
-            </a:r>
-          </a:p>
-          <a:p>
-            <a:pPr marL="109728" indent="0">
-              <a:buNone/>
-            </a:pPr>
-            <a:r>
-              <a:rPr lang="en-US" altLang="ko-KR" sz="1900"/>
-              <a:t>        &lt;/dependency&gt;</a:t>
-            </a:r>
-          </a:p>
-          <a:p>
-            <a:endParaRPr lang="en-US" altLang="ko-KR" sz="1800"/>
-          </a:p>
-          <a:p>
-            <a:endParaRPr lang="ko-KR" altLang="en-US" sz="1800"/>
-          </a:p>
-        </p:txBody>
-      </p:sp>
-      <p:sp>
-        <p:nvSpPr>
-          <p:cNvPr id="3" name="제목 2"/>
-          <p:cNvSpPr>
-            <a:spLocks noGrp="1"/>
-          </p:cNvSpPr>
-          <p:nvPr>
-            <p:ph type="title"/>
-          </p:nvPr>
-        </p:nvSpPr>
-        <p:spPr>
-          <a:xfrm>
-            <a:off x="457200" y="274638"/>
-            <a:ext cx="8229600" cy="562074"/>
-          </a:xfrm>
-        </p:spPr>
-        <p:txBody>
-          <a:bodyPr>
-            <a:normAutofit/>
-          </a:bodyPr>
-          <a:lstStyle/>
-          <a:p>
-            <a:r>
-              <a:rPr lang="ko-KR" altLang="en-US" sz="2400">
-                <a:solidFill>
-                  <a:srgbClr val="555555"/>
-                </a:solidFill>
-                <a:effectLst/>
-                <a:latin typeface="AppleSDGothicNeo"/>
-              </a:rPr>
-              <a:t>파일 업로드를 </a:t>
-            </a:r>
-            <a:r>
-              <a:rPr lang="en-US" altLang="ko-KR" sz="2400">
-                <a:solidFill>
-                  <a:srgbClr val="555555"/>
-                </a:solidFill>
-                <a:effectLst/>
-                <a:latin typeface="AppleSDGothicNeo"/>
-              </a:rPr>
-              <a:t>AJAX </a:t>
-            </a:r>
-            <a:r>
-              <a:rPr lang="ko-KR" altLang="en-US" sz="2400">
-                <a:solidFill>
-                  <a:srgbClr val="555555"/>
-                </a:solidFill>
-                <a:effectLst/>
-                <a:latin typeface="AppleSDGothicNeo"/>
-              </a:rPr>
-              <a:t>처리</a:t>
-            </a:r>
-            <a:endParaRPr lang="ko-KR" altLang="en-US" sz="2400"/>
+              <a:rPr lang="en-US" altLang="ko-KR" dirty="0"/>
+              <a:t>- json</a:t>
+            </a:r>
+            <a:r>
+              <a:rPr lang="ko-KR" altLang="en-US" dirty="0"/>
+              <a:t>의 일반적인 이용은 웹서버로 부터 데이터를 읽고 웹페이지에 그 데이터를 표시</a:t>
+            </a:r>
+            <a:br>
+              <a:rPr lang="en-US" altLang="ko-KR" dirty="0"/>
+            </a:br>
+            <a:r>
+              <a:rPr lang="en-US" altLang="ko-KR" dirty="0"/>
+              <a:t>- json</a:t>
+            </a:r>
+            <a:r>
+              <a:rPr lang="ko-KR" altLang="en-US" dirty="0"/>
+              <a:t>구문을 포함하는 </a:t>
+            </a:r>
+            <a:r>
+              <a:rPr lang="en-US" altLang="ko-KR" dirty="0" err="1"/>
+              <a:t>js</a:t>
+            </a:r>
+            <a:r>
+              <a:rPr lang="ko-KR" altLang="en-US" dirty="0"/>
+              <a:t>문자열을 만듦</a:t>
+            </a:r>
+            <a:br>
+              <a:rPr lang="en-US" altLang="ko-KR" dirty="0"/>
+            </a:br>
+            <a:r>
+              <a:rPr lang="en-US" altLang="ko-KR" sz="1500" dirty="0"/>
+              <a:t>let</a:t>
+            </a:r>
+            <a:r>
+              <a:rPr lang="ko-KR" altLang="en-US" sz="1500" dirty="0"/>
+              <a:t> </a:t>
+            </a:r>
+            <a:r>
+              <a:rPr lang="en-US" altLang="ko-KR" sz="1500" dirty="0"/>
+              <a:t>text</a:t>
+            </a:r>
+            <a:r>
+              <a:rPr lang="ko-KR" altLang="en-US" sz="1500" dirty="0"/>
+              <a:t> </a:t>
+            </a:r>
+            <a:r>
+              <a:rPr lang="en-US" altLang="ko-KR" sz="1500" dirty="0"/>
+              <a:t>=</a:t>
+            </a:r>
+            <a:r>
+              <a:rPr lang="ko-KR" altLang="en-US" sz="1500" dirty="0"/>
+              <a:t> </a:t>
+            </a:r>
+            <a:r>
+              <a:rPr lang="en-US" altLang="ko-KR" sz="1500" dirty="0"/>
+              <a:t>‘ {  “employees” : [ ‘ +</a:t>
+            </a:r>
+            <a:br>
+              <a:rPr lang="en-US" altLang="ko-KR" sz="1500" dirty="0"/>
+            </a:br>
+            <a:r>
+              <a:rPr lang="en-US" altLang="ko-KR" sz="1500" dirty="0"/>
+              <a:t>	‘ {“</a:t>
+            </a:r>
+            <a:r>
+              <a:rPr lang="en-US" altLang="ko-KR" sz="1500" dirty="0" err="1"/>
+              <a:t>firstName</a:t>
+            </a:r>
+            <a:r>
+              <a:rPr lang="en-US" altLang="ko-KR" sz="1500" dirty="0"/>
+              <a:t>” : “John”, “</a:t>
+            </a:r>
+            <a:r>
+              <a:rPr lang="en-US" altLang="ko-KR" sz="1500" dirty="0" err="1"/>
+              <a:t>lastName</a:t>
+            </a:r>
+            <a:r>
+              <a:rPr lang="en-US" altLang="ko-KR" sz="1500" dirty="0"/>
+              <a:t>” : “Doe”}, ‘ +</a:t>
+            </a:r>
+          </a:p>
+          <a:p>
+            <a:pPr marL="109728" indent="0">
+              <a:buNone/>
+            </a:pPr>
+            <a:r>
+              <a:rPr lang="en-US" altLang="ko-KR" sz="1500" dirty="0"/>
+              <a:t>             ‘ {“</a:t>
+            </a:r>
+            <a:r>
+              <a:rPr lang="en-US" altLang="ko-KR" sz="1500" dirty="0" err="1"/>
+              <a:t>firstName</a:t>
+            </a:r>
+            <a:r>
+              <a:rPr lang="en-US" altLang="ko-KR" sz="1500" dirty="0"/>
+              <a:t>” : “Anna”, “</a:t>
+            </a:r>
+            <a:r>
+              <a:rPr lang="en-US" altLang="ko-KR" sz="1500" dirty="0" err="1"/>
+              <a:t>lastName</a:t>
+            </a:r>
+            <a:r>
+              <a:rPr lang="en-US" altLang="ko-KR" sz="1500" dirty="0"/>
+              <a:t>” : “Smith”}, ‘ +</a:t>
+            </a:r>
+          </a:p>
+          <a:p>
+            <a:pPr marL="109728" indent="0">
+              <a:buNone/>
+            </a:pPr>
+            <a:r>
+              <a:rPr lang="en-US" altLang="ko-KR" sz="1500" dirty="0"/>
+              <a:t>	‘ {“</a:t>
+            </a:r>
+            <a:r>
+              <a:rPr lang="en-US" altLang="ko-KR" sz="1500" dirty="0" err="1"/>
+              <a:t>firstName</a:t>
+            </a:r>
+            <a:r>
+              <a:rPr lang="en-US" altLang="ko-KR" sz="1500" dirty="0"/>
+              <a:t>” : “Peter”, “</a:t>
+            </a:r>
+            <a:r>
+              <a:rPr lang="en-US" altLang="ko-KR" sz="1500" dirty="0" err="1"/>
+              <a:t>lastName</a:t>
+            </a:r>
+            <a:r>
+              <a:rPr lang="en-US" altLang="ko-KR" sz="1500" dirty="0"/>
+              <a:t>” : “Jones”}  ]}’;</a:t>
+            </a:r>
+          </a:p>
+          <a:p>
+            <a:pPr marL="109728" indent="0">
+              <a:buNone/>
+            </a:pPr>
+            <a:endParaRPr lang="en-US" altLang="ko-KR" sz="1500" dirty="0"/>
+          </a:p>
+          <a:p>
+            <a:r>
+              <a:rPr lang="en-US" altLang="ko-KR" dirty="0"/>
+              <a:t>Js</a:t>
+            </a:r>
+            <a:r>
+              <a:rPr lang="ko-KR" altLang="en-US" dirty="0"/>
+              <a:t>의 내장 함수인 </a:t>
+            </a:r>
+            <a:r>
+              <a:rPr lang="en-US" altLang="ko-KR" dirty="0" err="1"/>
+              <a:t>JSON.parse</a:t>
+            </a:r>
+            <a:r>
+              <a:rPr lang="en-US" altLang="ko-KR" dirty="0"/>
+              <a:t>(text)</a:t>
+            </a:r>
+            <a:r>
+              <a:rPr lang="ko-KR" altLang="en-US" dirty="0"/>
+              <a:t>를 이용하여 </a:t>
+            </a:r>
+            <a:r>
+              <a:rPr lang="en-US" altLang="ko-KR" dirty="0" err="1"/>
+              <a:t>js</a:t>
+            </a:r>
+            <a:r>
+              <a:rPr lang="ko-KR" altLang="en-US" dirty="0"/>
+              <a:t>의  객체형으로 변환</a:t>
+            </a:r>
+            <a:endParaRPr lang="en-US" altLang="ko-KR" dirty="0"/>
+          </a:p>
+          <a:p>
+            <a:r>
+              <a:rPr lang="en-US" altLang="ko-KR" dirty="0" err="1"/>
+              <a:t>Josn</a:t>
+            </a:r>
+            <a:r>
+              <a:rPr lang="ko-KR" altLang="en-US" dirty="0"/>
+              <a:t>의 값으로 </a:t>
+            </a:r>
+            <a:r>
+              <a:rPr lang="en-US" altLang="ko-KR" dirty="0"/>
+              <a:t>string, number, json object, array, Boolean, null</a:t>
+            </a:r>
+            <a:r>
+              <a:rPr lang="ko-KR" altLang="en-US" dirty="0"/>
+              <a:t>은 </a:t>
+            </a:r>
+            <a:r>
+              <a:rPr lang="ko-KR" altLang="en-US" dirty="0" err="1"/>
+              <a:t>사용가능하나</a:t>
+            </a:r>
+            <a:r>
+              <a:rPr lang="ko-KR" altLang="en-US" dirty="0"/>
+              <a:t> </a:t>
+            </a:r>
+            <a:r>
+              <a:rPr lang="en-US" altLang="ko-KR" dirty="0"/>
+              <a:t>function, date, undefined</a:t>
+            </a:r>
+            <a:r>
+              <a:rPr lang="ko-KR" altLang="en-US" dirty="0"/>
+              <a:t>는 사용 못함</a:t>
+            </a:r>
+            <a:endParaRPr lang="en-US" altLang="ko-KR" dirty="0"/>
+          </a:p>
+          <a:p>
+            <a:r>
+              <a:rPr lang="ko-KR" altLang="en-US" dirty="0"/>
+              <a:t>값이 숫자나 </a:t>
+            </a:r>
+            <a:r>
+              <a:rPr lang="en-US" altLang="ko-KR" dirty="0"/>
+              <a:t>null</a:t>
+            </a:r>
+            <a:r>
+              <a:rPr lang="ko-KR" altLang="en-US" dirty="0"/>
+              <a:t>일시는 </a:t>
+            </a:r>
+            <a:r>
+              <a:rPr lang="en-US" altLang="ko-KR" dirty="0"/>
+              <a:t>“”</a:t>
+            </a:r>
+            <a:r>
+              <a:rPr lang="ko-KR" altLang="en-US" dirty="0"/>
+              <a:t>없이 사용</a:t>
+            </a:r>
+            <a:r>
+              <a:rPr lang="en-US" altLang="ko-KR" dirty="0"/>
+              <a:t> (30, </a:t>
+            </a:r>
+            <a:r>
+              <a:rPr lang="en-US" altLang="ko-KR" dirty="0" err="1"/>
+              <a:t>boolean</a:t>
+            </a:r>
+            <a:r>
+              <a:rPr lang="ko-KR" altLang="en-US" dirty="0"/>
+              <a:t>은 </a:t>
+            </a:r>
+            <a:r>
+              <a:rPr lang="en-US" altLang="ko-KR" dirty="0"/>
+              <a:t>true/false, null)</a:t>
+            </a:r>
+          </a:p>
+          <a:p>
+            <a:r>
+              <a:rPr lang="en-US" altLang="ko-KR" dirty="0"/>
+              <a:t>Js</a:t>
+            </a:r>
+            <a:r>
+              <a:rPr lang="ko-KR" altLang="en-US" dirty="0"/>
+              <a:t>객체를 </a:t>
+            </a:r>
+            <a:r>
+              <a:rPr lang="en-US" altLang="ko-KR" dirty="0"/>
+              <a:t>json</a:t>
+            </a:r>
+            <a:r>
+              <a:rPr lang="ko-KR" altLang="en-US" dirty="0"/>
+              <a:t> </a:t>
+            </a:r>
+            <a:r>
+              <a:rPr lang="en-US" altLang="ko-KR" dirty="0"/>
+              <a:t>text</a:t>
+            </a:r>
+            <a:r>
+              <a:rPr lang="ko-KR" altLang="en-US" dirty="0"/>
+              <a:t>로 변환시는 </a:t>
+            </a:r>
+            <a:r>
+              <a:rPr lang="en-US" altLang="ko-KR" dirty="0" err="1"/>
+              <a:t>JSON.stringify</a:t>
+            </a:r>
+            <a:r>
+              <a:rPr lang="en-US" altLang="ko-KR" dirty="0"/>
+              <a:t>(obj);</a:t>
+            </a:r>
+            <a:r>
+              <a:rPr lang="ko-KR" altLang="en-US" dirty="0"/>
+              <a:t>를 사용</a:t>
+            </a:r>
+            <a:endParaRPr lang="en-US" altLang="ko-KR" dirty="0"/>
+          </a:p>
+          <a:p>
+            <a:pPr marL="109728" indent="0">
+              <a:buNone/>
+            </a:pPr>
+            <a:endParaRPr lang="en-US" altLang="ko-KR" dirty="0"/>
           </a:p>
         </p:txBody>
       </p:sp>
     </p:spTree>
     <p:extLst>
       <p:ext uri="{BB962C8B-B14F-4D97-AF65-F5344CB8AC3E}">
-        <p14:creationId xmlns:p14="http://schemas.microsoft.com/office/powerpoint/2010/main" val="2230838930"/>
+        <p14:creationId xmlns:p14="http://schemas.microsoft.com/office/powerpoint/2010/main" val="349089290"/>
       </p:ext>
     </p:extLst>
   </p:cSld>
@@ -7489,8 +8226,608 @@
         </p:nvSpPr>
         <p:spPr>
           <a:xfrm>
-            <a:off x="457200" y="404664"/>
-            <a:ext cx="8229600" cy="5602627"/>
+            <a:off x="323528" y="764704"/>
+            <a:ext cx="8229600" cy="6912768"/>
+          </a:xfrm>
+        </p:spPr>
+        <p:txBody>
+          <a:bodyPr>
+            <a:noAutofit/>
+          </a:bodyPr>
+          <a:lstStyle/>
+          <a:p>
+            <a:r>
+              <a:rPr lang="ko-KR" altLang="en-US" sz="1600" dirty="0"/>
+              <a:t>클라이언트측</a:t>
+            </a:r>
+            <a:br>
+              <a:rPr lang="en-US" altLang="ko-KR" sz="1600" dirty="0"/>
+            </a:br>
+            <a:r>
+              <a:rPr lang="ko-KR" altLang="en-US" sz="1600" dirty="0" err="1"/>
+              <a:t>자바스트립트</a:t>
+            </a:r>
+            <a:r>
+              <a:rPr lang="ko-KR" altLang="en-US" sz="1600" dirty="0"/>
+              <a:t> 객체형을 </a:t>
+            </a:r>
+            <a:r>
+              <a:rPr lang="en-US" altLang="ko-KR" sz="1600" dirty="0"/>
+              <a:t>JSON</a:t>
+            </a:r>
+            <a:r>
+              <a:rPr lang="ko-KR" altLang="en-US" sz="1600" dirty="0"/>
+              <a:t>문자열로 변환하여 보내줌</a:t>
+            </a:r>
+            <a:br>
+              <a:rPr lang="en-US" altLang="ko-KR" sz="1600" dirty="0"/>
+            </a:br>
+            <a:r>
+              <a:rPr lang="en-US" altLang="ko-KR" sz="1600" dirty="0"/>
+              <a:t>data: </a:t>
+            </a:r>
+            <a:r>
+              <a:rPr lang="en-US" altLang="ko-KR" sz="1600" dirty="0" err="1"/>
+              <a:t>JSON.stringify</a:t>
+            </a:r>
+            <a:r>
+              <a:rPr lang="en-US" altLang="ko-KR" sz="1600" dirty="0"/>
+              <a:t>(form)</a:t>
+            </a:r>
+          </a:p>
+          <a:p>
+            <a:pPr marL="109728" indent="0">
+              <a:buNone/>
+            </a:pPr>
+            <a:r>
+              <a:rPr lang="ko-KR" altLang="en-US" sz="1600" dirty="0"/>
+              <a:t>    </a:t>
+            </a:r>
+            <a:r>
+              <a:rPr lang="ko-KR" altLang="en-US" sz="1600" dirty="0" err="1"/>
+              <a:t>서버에서받는</a:t>
+            </a:r>
+            <a:r>
+              <a:rPr lang="ko-KR" altLang="en-US" sz="1600" dirty="0"/>
+              <a:t> 데이터를 </a:t>
+            </a:r>
+            <a:r>
+              <a:rPr lang="en-US" altLang="ko-KR" sz="1600" dirty="0"/>
+              <a:t>datatype : json</a:t>
+            </a:r>
+            <a:r>
+              <a:rPr lang="ko-KR" altLang="en-US" sz="1600" dirty="0"/>
+              <a:t>으로</a:t>
+            </a:r>
+            <a:r>
+              <a:rPr lang="en-US" altLang="ko-KR" sz="1600" dirty="0"/>
+              <a:t> </a:t>
+            </a:r>
+            <a:r>
+              <a:rPr lang="ko-KR" altLang="en-US" sz="1600" dirty="0"/>
+              <a:t>한다</a:t>
+            </a:r>
+            <a:r>
+              <a:rPr lang="en-US" altLang="ko-KR" sz="1600" dirty="0"/>
+              <a:t>.</a:t>
+            </a:r>
+            <a:r>
+              <a:rPr lang="ko-KR" altLang="en-US" sz="1600" dirty="0"/>
+              <a:t>  </a:t>
+            </a:r>
+            <a:br>
+              <a:rPr lang="en-US" altLang="ko-KR" sz="1600" dirty="0"/>
+            </a:br>
+            <a:r>
+              <a:rPr lang="en-US" altLang="ko-KR" sz="1600" dirty="0"/>
+              <a:t>     </a:t>
+            </a:r>
+            <a:r>
+              <a:rPr lang="en-US" altLang="ko-KR" sz="1600" dirty="0" err="1"/>
+              <a:t>contentType</a:t>
+            </a:r>
+            <a:r>
+              <a:rPr lang="en-US" altLang="ko-KR" sz="1600" dirty="0"/>
+              <a:t>: "application/json; charset=utf-8;"</a:t>
+            </a:r>
+          </a:p>
+          <a:p>
+            <a:pPr marL="109728" indent="0">
+              <a:buNone/>
+            </a:pPr>
+            <a:r>
+              <a:rPr lang="en-US" altLang="ko-KR" sz="1600" dirty="0">
+                <a:latin typeface="+mj-ea"/>
+                <a:ea typeface="+mj-ea"/>
+              </a:rPr>
+              <a:t>POM.XML</a:t>
+            </a:r>
+            <a:r>
+              <a:rPr lang="ko-KR" altLang="en-US" sz="1600" dirty="0">
+                <a:latin typeface="+mj-ea"/>
+                <a:ea typeface="+mj-ea"/>
+              </a:rPr>
+              <a:t>에 다음 추가</a:t>
+            </a:r>
+            <a:br>
+              <a:rPr lang="en-US" altLang="ko-KR" sz="1600" dirty="0">
+                <a:latin typeface="+mj-ea"/>
+                <a:ea typeface="+mj-ea"/>
+              </a:rPr>
+            </a:br>
+            <a:r>
+              <a:rPr lang="en-US" altLang="ko-KR" sz="1000" dirty="0">
+                <a:latin typeface="+mj-ea"/>
+                <a:ea typeface="+mj-ea"/>
+              </a:rPr>
+              <a:t> &lt;dependency&gt;</a:t>
+            </a:r>
+          </a:p>
+          <a:p>
+            <a:pPr marL="109728" indent="0">
+              <a:buNone/>
+            </a:pPr>
+            <a:r>
+              <a:rPr lang="en-US" altLang="ko-KR" sz="1000" dirty="0">
+                <a:latin typeface="+mj-ea"/>
+                <a:ea typeface="+mj-ea"/>
+              </a:rPr>
+              <a:t>            &lt;</a:t>
+            </a:r>
+            <a:r>
+              <a:rPr lang="en-US" altLang="ko-KR" sz="1000" dirty="0" err="1">
+                <a:latin typeface="+mj-ea"/>
+                <a:ea typeface="+mj-ea"/>
+              </a:rPr>
+              <a:t>groupId</a:t>
+            </a:r>
+            <a:r>
+              <a:rPr lang="en-US" altLang="ko-KR" sz="1000" dirty="0">
+                <a:latin typeface="+mj-ea"/>
+                <a:ea typeface="+mj-ea"/>
+              </a:rPr>
+              <a:t>&gt;</a:t>
+            </a:r>
+            <a:r>
+              <a:rPr lang="en-US" altLang="ko-KR" sz="1000" dirty="0" err="1">
+                <a:latin typeface="+mj-ea"/>
+                <a:ea typeface="+mj-ea"/>
+              </a:rPr>
+              <a:t>com.fasterxml.jackson.core</a:t>
+            </a:r>
+            <a:r>
+              <a:rPr lang="en-US" altLang="ko-KR" sz="1000" dirty="0">
+                <a:latin typeface="+mj-ea"/>
+                <a:ea typeface="+mj-ea"/>
+              </a:rPr>
+              <a:t>&lt;/</a:t>
+            </a:r>
+            <a:r>
+              <a:rPr lang="en-US" altLang="ko-KR" sz="1000" dirty="0" err="1">
+                <a:latin typeface="+mj-ea"/>
+                <a:ea typeface="+mj-ea"/>
+              </a:rPr>
+              <a:t>groupId</a:t>
+            </a:r>
+            <a:r>
+              <a:rPr lang="en-US" altLang="ko-KR" sz="1000" dirty="0">
+                <a:latin typeface="+mj-ea"/>
+                <a:ea typeface="+mj-ea"/>
+              </a:rPr>
+              <a:t>&gt;</a:t>
+            </a:r>
+          </a:p>
+          <a:p>
+            <a:pPr marL="109728" indent="0">
+              <a:buNone/>
+            </a:pPr>
+            <a:r>
+              <a:rPr lang="en-US" altLang="ko-KR" sz="1000" dirty="0">
+                <a:latin typeface="+mj-ea"/>
+                <a:ea typeface="+mj-ea"/>
+              </a:rPr>
+              <a:t>            &lt;</a:t>
+            </a:r>
+            <a:r>
+              <a:rPr lang="en-US" altLang="ko-KR" sz="1000" dirty="0" err="1">
+                <a:latin typeface="+mj-ea"/>
+                <a:ea typeface="+mj-ea"/>
+              </a:rPr>
+              <a:t>artifactId</a:t>
+            </a:r>
+            <a:r>
+              <a:rPr lang="en-US" altLang="ko-KR" sz="1000" dirty="0">
+                <a:latin typeface="+mj-ea"/>
+                <a:ea typeface="+mj-ea"/>
+              </a:rPr>
+              <a:t>&gt;</a:t>
+            </a:r>
+            <a:r>
+              <a:rPr lang="en-US" altLang="ko-KR" sz="1000" dirty="0" err="1">
+                <a:latin typeface="+mj-ea"/>
+                <a:ea typeface="+mj-ea"/>
+              </a:rPr>
+              <a:t>jackson-databind</a:t>
+            </a:r>
+            <a:r>
+              <a:rPr lang="en-US" altLang="ko-KR" sz="1000" dirty="0">
+                <a:latin typeface="+mj-ea"/>
+                <a:ea typeface="+mj-ea"/>
+              </a:rPr>
+              <a:t>&lt;/</a:t>
+            </a:r>
+            <a:r>
+              <a:rPr lang="en-US" altLang="ko-KR" sz="1000" dirty="0" err="1">
+                <a:latin typeface="+mj-ea"/>
+                <a:ea typeface="+mj-ea"/>
+              </a:rPr>
+              <a:t>artifactId</a:t>
+            </a:r>
+            <a:r>
+              <a:rPr lang="en-US" altLang="ko-KR" sz="1000" dirty="0">
+                <a:latin typeface="+mj-ea"/>
+                <a:ea typeface="+mj-ea"/>
+              </a:rPr>
+              <a:t>&gt;</a:t>
+            </a:r>
+          </a:p>
+          <a:p>
+            <a:pPr marL="109728" indent="0">
+              <a:buNone/>
+            </a:pPr>
+            <a:r>
+              <a:rPr lang="en-US" altLang="ko-KR" sz="1000" dirty="0">
+                <a:latin typeface="+mj-ea"/>
+                <a:ea typeface="+mj-ea"/>
+              </a:rPr>
+              <a:t>            &lt;version&gt;2.9.5&lt;/version&gt;</a:t>
+            </a:r>
+          </a:p>
+          <a:p>
+            <a:pPr marL="109728" indent="0">
+              <a:buNone/>
+            </a:pPr>
+            <a:r>
+              <a:rPr lang="en-US" altLang="ko-KR" sz="1000" dirty="0">
+                <a:latin typeface="+mj-ea"/>
+                <a:ea typeface="+mj-ea"/>
+              </a:rPr>
+              <a:t> &lt;/dependency&gt;</a:t>
+            </a:r>
+          </a:p>
+          <a:p>
+            <a:pPr marL="109728" indent="0">
+              <a:buNone/>
+            </a:pPr>
+            <a:endParaRPr lang="en-US" altLang="ko-KR" sz="1000" dirty="0">
+              <a:latin typeface="+mj-ea"/>
+              <a:ea typeface="+mj-ea"/>
+            </a:endParaRPr>
+          </a:p>
+          <a:p>
+            <a:pPr marL="109728" indent="0" algn="l">
+              <a:buNone/>
+            </a:pPr>
+            <a:r>
+              <a:rPr lang="en-US" altLang="ko-KR" sz="1000" dirty="0">
+                <a:latin typeface="+mj-ea"/>
+                <a:ea typeface="+mj-ea"/>
+              </a:rPr>
+              <a:t>&lt;dependency&gt;</a:t>
+            </a:r>
+          </a:p>
+          <a:p>
+            <a:pPr marL="109728" indent="0" algn="l">
+              <a:buNone/>
+            </a:pPr>
+            <a:r>
+              <a:rPr lang="en-US" altLang="ko-KR" sz="1000" dirty="0">
+                <a:latin typeface="+mj-ea"/>
+                <a:ea typeface="+mj-ea"/>
+              </a:rPr>
+              <a:t>            &lt;</a:t>
+            </a:r>
+            <a:r>
+              <a:rPr lang="en-US" altLang="ko-KR" sz="1000" dirty="0" err="1">
+                <a:latin typeface="+mj-ea"/>
+                <a:ea typeface="+mj-ea"/>
+              </a:rPr>
+              <a:t>groupId</a:t>
+            </a:r>
+            <a:r>
+              <a:rPr lang="en-US" altLang="ko-KR" sz="1000" dirty="0">
+                <a:latin typeface="+mj-ea"/>
+                <a:ea typeface="+mj-ea"/>
+              </a:rPr>
+              <a:t>&gt;</a:t>
+            </a:r>
+            <a:r>
+              <a:rPr lang="en-US" altLang="ko-KR" sz="1000" dirty="0" err="1">
+                <a:latin typeface="+mj-ea"/>
+                <a:ea typeface="+mj-ea"/>
+              </a:rPr>
+              <a:t>org.codehaus.jackson</a:t>
+            </a:r>
+            <a:r>
+              <a:rPr lang="en-US" altLang="ko-KR" sz="1000" dirty="0">
+                <a:latin typeface="+mj-ea"/>
+                <a:ea typeface="+mj-ea"/>
+              </a:rPr>
+              <a:t>&lt;/</a:t>
+            </a:r>
+            <a:r>
+              <a:rPr lang="en-US" altLang="ko-KR" sz="1000" dirty="0" err="1">
+                <a:latin typeface="+mj-ea"/>
+                <a:ea typeface="+mj-ea"/>
+              </a:rPr>
+              <a:t>groupId</a:t>
+            </a:r>
+            <a:r>
+              <a:rPr lang="en-US" altLang="ko-KR" sz="1000" dirty="0">
+                <a:latin typeface="+mj-ea"/>
+                <a:ea typeface="+mj-ea"/>
+              </a:rPr>
+              <a:t>&gt;</a:t>
+            </a:r>
+          </a:p>
+          <a:p>
+            <a:pPr marL="109728" indent="0" algn="l">
+              <a:buNone/>
+            </a:pPr>
+            <a:r>
+              <a:rPr lang="en-US" altLang="ko-KR" sz="1000" dirty="0">
+                <a:latin typeface="+mj-ea"/>
+                <a:ea typeface="+mj-ea"/>
+              </a:rPr>
+              <a:t>            &lt;</a:t>
+            </a:r>
+            <a:r>
+              <a:rPr lang="en-US" altLang="ko-KR" sz="1000" dirty="0" err="1">
+                <a:latin typeface="+mj-ea"/>
+                <a:ea typeface="+mj-ea"/>
+              </a:rPr>
+              <a:t>artifactId</a:t>
+            </a:r>
+            <a:r>
+              <a:rPr lang="en-US" altLang="ko-KR" sz="1000" dirty="0">
+                <a:latin typeface="+mj-ea"/>
+                <a:ea typeface="+mj-ea"/>
+              </a:rPr>
+              <a:t>&gt;</a:t>
+            </a:r>
+            <a:r>
+              <a:rPr lang="en-US" altLang="ko-KR" sz="1000" dirty="0" err="1">
+                <a:latin typeface="+mj-ea"/>
+                <a:ea typeface="+mj-ea"/>
+              </a:rPr>
+              <a:t>jackson</a:t>
+            </a:r>
+            <a:r>
+              <a:rPr lang="en-US" altLang="ko-KR" sz="1000" dirty="0">
+                <a:latin typeface="+mj-ea"/>
+                <a:ea typeface="+mj-ea"/>
+              </a:rPr>
+              <a:t>-mapper-asl&lt;/</a:t>
+            </a:r>
+            <a:r>
+              <a:rPr lang="en-US" altLang="ko-KR" sz="1000" dirty="0" err="1">
+                <a:latin typeface="+mj-ea"/>
+                <a:ea typeface="+mj-ea"/>
+              </a:rPr>
+              <a:t>artifactId</a:t>
+            </a:r>
+            <a:r>
+              <a:rPr lang="en-US" altLang="ko-KR" sz="1000" dirty="0">
+                <a:latin typeface="+mj-ea"/>
+                <a:ea typeface="+mj-ea"/>
+              </a:rPr>
+              <a:t>&gt;</a:t>
+            </a:r>
+          </a:p>
+          <a:p>
+            <a:pPr marL="109728" indent="0" algn="l">
+              <a:buNone/>
+            </a:pPr>
+            <a:r>
+              <a:rPr lang="en-US" altLang="ko-KR" sz="1000" dirty="0">
+                <a:latin typeface="+mj-ea"/>
+                <a:ea typeface="+mj-ea"/>
+              </a:rPr>
+              <a:t>            &lt;version&gt;1.4.2&lt;/version&gt;</a:t>
+            </a:r>
+          </a:p>
+          <a:p>
+            <a:pPr marL="109728" indent="0" algn="l">
+              <a:buNone/>
+            </a:pPr>
+            <a:r>
+              <a:rPr lang="en-US" altLang="ko-KR" sz="1000" dirty="0">
+                <a:latin typeface="+mj-ea"/>
+                <a:ea typeface="+mj-ea"/>
+              </a:rPr>
+              <a:t>&lt;/dependency&gt;</a:t>
+            </a:r>
+          </a:p>
+          <a:p>
+            <a:pPr marL="109728" indent="0">
+              <a:buNone/>
+            </a:pPr>
+            <a:r>
+              <a:rPr lang="ko-KR" altLang="en-US" sz="1600" dirty="0" err="1"/>
+              <a:t>서버측에서</a:t>
+            </a:r>
+            <a:r>
+              <a:rPr lang="ko-KR" altLang="en-US" sz="1600" dirty="0"/>
+              <a:t> </a:t>
+            </a:r>
+            <a:r>
+              <a:rPr lang="en-US" altLang="ko-KR" sz="1600" dirty="0"/>
+              <a:t>JSON</a:t>
+            </a:r>
+            <a:r>
+              <a:rPr lang="ko-KR" altLang="en-US" sz="1600" dirty="0"/>
+              <a:t>으로 받기 위해서는 </a:t>
+            </a:r>
+            <a:r>
+              <a:rPr lang="en-US" altLang="ko-KR" sz="1600" dirty="0"/>
+              <a:t>@RequestBody</a:t>
+            </a:r>
+            <a:r>
+              <a:rPr lang="ko-KR" altLang="en-US" sz="1600" dirty="0"/>
+              <a:t>를 사용</a:t>
+            </a:r>
+            <a:br>
+              <a:rPr lang="en-US" altLang="ko-KR" sz="1600" dirty="0"/>
+            </a:br>
+            <a:br>
+              <a:rPr lang="en-US" altLang="ko-KR" sz="1600" dirty="0"/>
+            </a:br>
+            <a:r>
+              <a:rPr lang="en-US" altLang="ko-KR" sz="1500" dirty="0"/>
+              <a:t> @RequestMapping(value="/stringify", produces = "application/json; charset=UTF8")</a:t>
+            </a:r>
+          </a:p>
+          <a:p>
+            <a:pPr marL="109728" indent="0">
+              <a:buNone/>
+            </a:pPr>
+            <a:r>
+              <a:rPr lang="en-US" altLang="ko-KR" sz="1500" dirty="0"/>
+              <a:t>    @ResponseBody</a:t>
+            </a:r>
+          </a:p>
+          <a:p>
+            <a:pPr marL="109728" indent="0">
+              <a:buNone/>
+            </a:pPr>
+            <a:r>
+              <a:rPr lang="en-US" altLang="ko-KR" sz="1500" dirty="0"/>
+              <a:t>    public Object </a:t>
+            </a:r>
+            <a:r>
+              <a:rPr lang="en-US" altLang="ko-KR" sz="1500" dirty="0" err="1"/>
+              <a:t>stringify</a:t>
+            </a:r>
+            <a:r>
+              <a:rPr lang="en-US" altLang="ko-KR" sz="1500" dirty="0"/>
+              <a:t>(@RequestBody </a:t>
+            </a:r>
+            <a:r>
+              <a:rPr lang="en-US" altLang="ko-KR" sz="1500" dirty="0" err="1"/>
+              <a:t>Jamong</a:t>
+            </a:r>
+            <a:r>
+              <a:rPr lang="en-US" altLang="ko-KR" sz="1500" dirty="0"/>
+              <a:t> </a:t>
+            </a:r>
+            <a:r>
+              <a:rPr lang="en-US" altLang="ko-KR" sz="1500" dirty="0" err="1"/>
+              <a:t>jamong</a:t>
+            </a:r>
+            <a:r>
+              <a:rPr lang="en-US" altLang="ko-KR" sz="1500" dirty="0"/>
+              <a:t>) {</a:t>
+            </a:r>
+          </a:p>
+          <a:p>
+            <a:pPr marL="109728" indent="0">
+              <a:buNone/>
+            </a:pPr>
+            <a:r>
+              <a:rPr lang="en-US" altLang="ko-KR" sz="1500" dirty="0"/>
+              <a:t>        HashMap&lt;String, Object&gt; map = new HashMap&lt;String, Object&gt;();</a:t>
+            </a:r>
+          </a:p>
+          <a:p>
+            <a:pPr marL="109728" indent="0">
+              <a:buNone/>
+            </a:pPr>
+            <a:r>
+              <a:rPr lang="en-US" altLang="ko-KR" sz="1500" dirty="0"/>
+              <a:t>        </a:t>
+            </a:r>
+            <a:r>
+              <a:rPr lang="en-US" altLang="ko-KR" sz="1500" dirty="0" err="1"/>
+              <a:t>map.put</a:t>
+            </a:r>
+            <a:r>
+              <a:rPr lang="en-US" altLang="ko-KR" sz="1500" dirty="0"/>
+              <a:t>("name", </a:t>
+            </a:r>
+            <a:r>
+              <a:rPr lang="en-US" altLang="ko-KR" sz="1500" dirty="0" err="1"/>
+              <a:t>jamong.getName</a:t>
+            </a:r>
+            <a:r>
+              <a:rPr lang="en-US" altLang="ko-KR" sz="1500" dirty="0"/>
+              <a:t>());</a:t>
+            </a:r>
+          </a:p>
+          <a:p>
+            <a:pPr marL="109728" indent="0">
+              <a:buNone/>
+            </a:pPr>
+            <a:r>
+              <a:rPr lang="en-US" altLang="ko-KR" sz="1500" dirty="0"/>
+              <a:t>        </a:t>
+            </a:r>
+            <a:r>
+              <a:rPr lang="en-US" altLang="ko-KR" sz="1500" dirty="0" err="1"/>
+              <a:t>map.put</a:t>
+            </a:r>
+            <a:r>
+              <a:rPr lang="en-US" altLang="ko-KR" sz="1500" dirty="0"/>
+              <a:t>("age", </a:t>
+            </a:r>
+            <a:r>
+              <a:rPr lang="en-US" altLang="ko-KR" sz="1500" dirty="0" err="1"/>
+              <a:t>jamong.getAge</a:t>
+            </a:r>
+            <a:r>
+              <a:rPr lang="en-US" altLang="ko-KR" sz="1500" dirty="0"/>
+              <a:t>());</a:t>
+            </a:r>
+          </a:p>
+          <a:p>
+            <a:pPr marL="109728" indent="0">
+              <a:buNone/>
+            </a:pPr>
+            <a:r>
+              <a:rPr lang="en-US" altLang="ko-KR" sz="1500" dirty="0"/>
+              <a:t>        return map;</a:t>
+            </a:r>
+          </a:p>
+          <a:p>
+            <a:pPr marL="109728" indent="0">
+              <a:buNone/>
+            </a:pPr>
+            <a:r>
+              <a:rPr lang="en-US" altLang="ko-KR" sz="1500" dirty="0"/>
+              <a:t>    }</a:t>
+            </a:r>
+          </a:p>
+          <a:p>
+            <a:pPr marL="109728" indent="0">
+              <a:buNone/>
+            </a:pPr>
+            <a:endParaRPr lang="ko-KR" altLang="en-US" sz="1600" dirty="0"/>
+          </a:p>
+        </p:txBody>
+      </p:sp>
+      <p:sp>
+        <p:nvSpPr>
+          <p:cNvPr id="3" name="제목 2"/>
+          <p:cNvSpPr>
+            <a:spLocks noGrp="1"/>
+          </p:cNvSpPr>
+          <p:nvPr>
+            <p:ph type="title"/>
+          </p:nvPr>
+        </p:nvSpPr>
+        <p:spPr>
+          <a:xfrm>
+            <a:off x="457200" y="274638"/>
+            <a:ext cx="8229600" cy="490066"/>
           </a:xfrm>
         </p:spPr>
         <p:txBody>
@@ -7499,101 +8836,29 @@
           </a:bodyPr>
           <a:lstStyle/>
           <a:p>
-            <a:pPr marL="109728" indent="0">
-              <a:buNone/>
-            </a:pPr>
-            <a:r>
-              <a:rPr lang="en-US" altLang="ko-KR" sz="1800"/>
-              <a:t>&lt;beans:bean id="multipartResolver" class="org.springframework.web.multipart.commons.CommonsMultipartResolver"&gt;        </a:t>
-            </a:r>
-            <a:br>
-              <a:rPr lang="en-US" altLang="ko-KR" sz="1800"/>
-            </a:br>
-            <a:r>
-              <a:rPr lang="en-US" altLang="ko-KR" sz="1800"/>
-              <a:t>&lt;!-- max upload size in bytes --&gt;        </a:t>
-            </a:r>
-            <a:br>
-              <a:rPr lang="en-US" altLang="ko-KR" sz="1800"/>
-            </a:br>
-            <a:r>
-              <a:rPr lang="en-US" altLang="ko-KR" sz="1800"/>
-              <a:t>&lt;beans:property name="maxUploadSize" value="5242880" /&gt; </a:t>
-            </a:r>
-            <a:br>
-              <a:rPr lang="en-US" altLang="ko-KR" sz="1800"/>
-            </a:br>
-            <a:r>
-              <a:rPr lang="en-US" altLang="ko-KR" sz="1800"/>
-              <a:t>&lt;!-- 5MB --&gt;        </a:t>
-            </a:r>
-            <a:br>
-              <a:rPr lang="en-US" altLang="ko-KR" sz="1800"/>
-            </a:br>
-            <a:r>
-              <a:rPr lang="en-US" altLang="ko-KR" sz="1800"/>
-              <a:t>&lt;!-- max size of file in memory (in bytes) --&gt;        </a:t>
-            </a:r>
-            <a:br>
-              <a:rPr lang="en-US" altLang="ko-KR" sz="1800"/>
-            </a:br>
-            <a:r>
-              <a:rPr lang="en-US" altLang="ko-KR" sz="1800"/>
-              <a:t>&lt;beans:property name="maxInMemorySize" value="1048576" /&gt; &lt;!-- 1MB --&gt;    </a:t>
-            </a:r>
-            <a:br>
-              <a:rPr lang="en-US" altLang="ko-KR" sz="1800"/>
-            </a:br>
-            <a:r>
-              <a:rPr lang="en-US" altLang="ko-KR" sz="1800"/>
-              <a:t>&lt;/beans:bean&gt; </a:t>
-            </a:r>
-            <a:br>
-              <a:rPr lang="en-US" altLang="ko-KR" sz="1800"/>
-            </a:br>
-            <a:br>
-              <a:rPr lang="en-US" altLang="ko-KR" sz="1800"/>
-            </a:br>
-            <a:r>
-              <a:rPr lang="en-US" altLang="ko-KR" sz="1800"/>
+            <a:r>
+              <a:rPr lang="en-US" altLang="ko-KR" sz="2400"/>
+              <a:t>Json</a:t>
+            </a:r>
+            <a:r>
+              <a:rPr lang="ko-KR" altLang="en-US" sz="2400"/>
+              <a:t>형태로 </a:t>
+            </a:r>
+            <a:r>
+              <a:rPr lang="en-US" altLang="ko-KR" sz="2400"/>
               <a:t>ajax</a:t>
             </a:r>
             <a:r>
-              <a:rPr lang="ko-KR" altLang="en-US" sz="1800"/>
-              <a:t>측에 다음를 처리</a:t>
-            </a:r>
-            <a:br>
-              <a:rPr lang="en-US" altLang="ko-KR" sz="1800"/>
-            </a:br>
-            <a:r>
-              <a:rPr lang="en-US" altLang="ko-KR" sz="1800"/>
-              <a:t>contentType: </a:t>
-            </a:r>
-            <a:r>
-              <a:rPr lang="en-US" altLang="ko-KR" sz="1800" b="1"/>
-              <a:t>false,</a:t>
-            </a:r>
-          </a:p>
-          <a:p>
-            <a:pPr marL="109728" indent="0">
-              <a:buNone/>
-            </a:pPr>
-            <a:r>
-              <a:rPr lang="en-US" altLang="ko-KR" sz="1800"/>
-              <a:t>processData: </a:t>
-            </a:r>
-            <a:r>
-              <a:rPr lang="en-US" altLang="ko-KR" sz="1800" b="1"/>
-              <a:t>false,</a:t>
-            </a:r>
-            <a:endParaRPr lang="ko-KR" altLang="en-US" sz="1800"/>
+              <a:rPr lang="ko-KR" altLang="en-US" sz="2400"/>
+              <a:t>처리</a:t>
+            </a:r>
           </a:p>
         </p:txBody>
       </p:sp>
     </p:spTree>
     <p:extLst>
       <p:ext uri="{BB962C8B-B14F-4D97-AF65-F5344CB8AC3E}">
-        <p14:creationId xmlns:p14="http://schemas.microsoft.com/office/powerpoint/2010/main" val="1754138387"/>
+        <p14:creationId xmlns:p14="http://schemas.microsoft.com/office/powerpoint/2010/main" val="1642965084"/>
       </p:ext>
     </p:extLst>
   </p:cSld>
@@ -7630,6 +8895,997 @@
             <p:ph idx="1"/>
           </p:nvPr>
         </p:nvSpPr>
+        <p:spPr>
+          <a:xfrm>
+            <a:off x="457200" y="1052736"/>
+            <a:ext cx="8229600" cy="5170579"/>
+          </a:xfrm>
+        </p:spPr>
+        <p:txBody>
+          <a:bodyPr>
+            <a:normAutofit/>
+          </a:bodyPr>
+          <a:lstStyle/>
+          <a:p>
+            <a:pPr marL="109728" indent="0">
+              <a:buNone/>
+            </a:pPr>
+            <a:r>
+              <a:rPr lang="en-US" altLang="ko-KR" sz="1800" b="1">
+                <a:solidFill>
+                  <a:srgbClr val="555555"/>
+                </a:solidFill>
+                <a:latin typeface="AppleSDGothicNeo"/>
+              </a:rPr>
+              <a:t>@Controller</a:t>
+            </a:r>
+            <a:r>
+              <a:rPr lang="ko-KR" altLang="en-US" sz="1800" b="1">
+                <a:solidFill>
+                  <a:srgbClr val="555555"/>
+                </a:solidFill>
+                <a:latin typeface="AppleSDGothicNeo"/>
+              </a:rPr>
+              <a:t>가 아닌 </a:t>
+            </a:r>
+            <a:r>
+              <a:rPr lang="en-US" altLang="ko-KR" sz="1800" b="1">
+                <a:solidFill>
+                  <a:srgbClr val="555555"/>
+                </a:solidFill>
+                <a:latin typeface="AppleSDGothicNeo"/>
+              </a:rPr>
+              <a:t>@RestController</a:t>
+            </a:r>
+            <a:r>
+              <a:rPr lang="ko-KR" altLang="en-US" sz="1800" b="1">
+                <a:solidFill>
+                  <a:srgbClr val="555555"/>
+                </a:solidFill>
+                <a:latin typeface="AppleSDGothicNeo"/>
+              </a:rPr>
+              <a:t>에서 </a:t>
+            </a:r>
+            <a:r>
+              <a:rPr lang="en-US" altLang="ko-KR" sz="1800" b="1">
+                <a:solidFill>
+                  <a:srgbClr val="555555"/>
+                </a:solidFill>
+                <a:latin typeface="AppleSDGothicNeo"/>
+              </a:rPr>
+              <a:t>JSON</a:t>
+            </a:r>
+            <a:r>
+              <a:rPr lang="ko-KR" altLang="en-US" sz="1800" b="1">
+                <a:solidFill>
+                  <a:srgbClr val="555555"/>
+                </a:solidFill>
+                <a:latin typeface="AppleSDGothicNeo"/>
+              </a:rPr>
+              <a:t>타입으로 데이터를 주고</a:t>
+            </a:r>
+            <a:br>
+              <a:rPr lang="en-US" altLang="ko-KR" sz="1800" b="1">
+                <a:solidFill>
+                  <a:srgbClr val="555555"/>
+                </a:solidFill>
+                <a:latin typeface="AppleSDGothicNeo"/>
+              </a:rPr>
+            </a:br>
+            <a:r>
+              <a:rPr lang="ko-KR" altLang="en-US" sz="1800" b="1">
+                <a:solidFill>
+                  <a:srgbClr val="555555"/>
+                </a:solidFill>
+                <a:latin typeface="AppleSDGothicNeo"/>
+              </a:rPr>
+              <a:t>받기</a:t>
+            </a:r>
+            <a:br>
+              <a:rPr lang="en-US" altLang="ko-KR" sz="1800" b="1">
+                <a:solidFill>
+                  <a:srgbClr val="555555"/>
+                </a:solidFill>
+                <a:latin typeface="AppleSDGothicNeo"/>
+              </a:rPr>
+            </a:br>
+            <a:r>
+              <a:rPr lang="en-US" altLang="ko-KR" sz="1800" b="1"/>
+              <a:t>@RestController Annotation</a:t>
+            </a:r>
+            <a:r>
+              <a:rPr lang="ko-KR" altLang="en-US" sz="1800" b="1"/>
+              <a:t>을 사용하면</a:t>
+            </a:r>
+            <a:r>
+              <a:rPr lang="en-US" altLang="ko-KR" sz="1800" b="1"/>
+              <a:t>, @ResponseBody Annotation</a:t>
+            </a:r>
+            <a:r>
+              <a:rPr lang="ko-KR" altLang="en-US" sz="1800" b="1"/>
+              <a:t>을 빼고 사용하면된다</a:t>
+            </a:r>
+            <a:r>
+              <a:rPr lang="en-US" altLang="ko-KR" sz="1800" b="1"/>
+              <a:t>.</a:t>
+            </a:r>
+          </a:p>
+          <a:p>
+            <a:pPr marL="109728" indent="0">
+              <a:buNone/>
+            </a:pPr>
+            <a:r>
+              <a:rPr lang="en-US" altLang="ko-KR" sz="1800" b="1"/>
+              <a:t>@RestController</a:t>
+            </a:r>
+            <a:r>
+              <a:rPr lang="ko-KR" altLang="en-US" sz="1800" b="1"/>
+              <a:t>가 알아서 </a:t>
+            </a:r>
+            <a:r>
+              <a:rPr lang="en-US" altLang="ko-KR" sz="1800" b="1"/>
+              <a:t>JSON</a:t>
+            </a:r>
+            <a:r>
+              <a:rPr lang="ko-KR" altLang="en-US" sz="1800" b="1"/>
+              <a:t>형태로 </a:t>
+            </a:r>
+            <a:r>
+              <a:rPr lang="en-US" altLang="ko-KR" sz="1800" b="1"/>
+              <a:t>return</a:t>
+            </a:r>
+            <a:r>
+              <a:rPr lang="ko-KR" altLang="en-US" sz="1800" b="1"/>
+              <a:t>해준다</a:t>
+            </a:r>
+            <a:r>
+              <a:rPr lang="en-US" altLang="ko-KR" sz="1800" b="1"/>
+              <a:t>.</a:t>
+            </a:r>
+          </a:p>
+          <a:p>
+            <a:pPr marL="109728" indent="0">
+              <a:buNone/>
+            </a:pPr>
+            <a:br>
+              <a:rPr lang="en-US" altLang="ko-KR" sz="1800"/>
+            </a:br>
+            <a:endParaRPr lang="ko-KR" altLang="en-US" sz="1800"/>
+          </a:p>
+        </p:txBody>
+      </p:sp>
+      <p:sp>
+        <p:nvSpPr>
+          <p:cNvPr id="3" name="제목 2"/>
+          <p:cNvSpPr>
+            <a:spLocks noGrp="1"/>
+          </p:cNvSpPr>
+          <p:nvPr>
+            <p:ph type="title"/>
+          </p:nvPr>
+        </p:nvSpPr>
+        <p:spPr>
+          <a:xfrm>
+            <a:off x="457200" y="274638"/>
+            <a:ext cx="8229600" cy="562074"/>
+          </a:xfrm>
+        </p:spPr>
+        <p:txBody>
+          <a:bodyPr>
+            <a:normAutofit fontScale="90000"/>
+          </a:bodyPr>
+          <a:lstStyle/>
+          <a:p>
+            <a:r>
+              <a:rPr lang="en-US" altLang="ko-KR" sz="2400">
+                <a:solidFill>
+                  <a:srgbClr val="555555"/>
+                </a:solidFill>
+                <a:effectLst/>
+                <a:latin typeface="AppleSDGothicNeo"/>
+              </a:rPr>
+              <a:t>@RestController (</a:t>
+            </a:r>
+            <a:r>
+              <a:rPr lang="ko-KR" altLang="en-US" sz="2400">
+                <a:solidFill>
+                  <a:srgbClr val="555555"/>
+                </a:solidFill>
+                <a:effectLst/>
+                <a:latin typeface="AppleSDGothicNeo"/>
+              </a:rPr>
+              <a:t>전부 </a:t>
+            </a:r>
+            <a:r>
+              <a:rPr lang="en-US" altLang="ko-KR" sz="2400">
+                <a:solidFill>
+                  <a:srgbClr val="555555"/>
+                </a:solidFill>
+                <a:effectLst/>
+                <a:latin typeface="AppleSDGothicNeo"/>
+              </a:rPr>
+              <a:t>@ResponseBody</a:t>
+            </a:r>
+            <a:r>
+              <a:rPr lang="ko-KR" altLang="en-US" sz="2400">
+                <a:solidFill>
+                  <a:srgbClr val="555555"/>
+                </a:solidFill>
+                <a:effectLst/>
+                <a:latin typeface="AppleSDGothicNeo"/>
+              </a:rPr>
+              <a:t>를 사용시에 적용 만일</a:t>
+            </a:r>
+            <a:br>
+              <a:rPr lang="en-US" altLang="ko-KR" sz="2400">
+                <a:solidFill>
+                  <a:srgbClr val="555555"/>
+                </a:solidFill>
+                <a:effectLst/>
+                <a:latin typeface="AppleSDGothicNeo"/>
+              </a:rPr>
+            </a:br>
+            <a:r>
+              <a:rPr lang="en-US" altLang="ko-KR" sz="2400">
+                <a:solidFill>
+                  <a:srgbClr val="555555"/>
+                </a:solidFill>
+                <a:effectLst/>
+                <a:latin typeface="AppleSDGothicNeo"/>
+              </a:rPr>
+              <a:t>   </a:t>
+            </a:r>
+            <a:r>
+              <a:rPr lang="ko-KR" altLang="en-US" sz="2400">
+                <a:solidFill>
+                  <a:srgbClr val="555555"/>
+                </a:solidFill>
+                <a:effectLst/>
+                <a:latin typeface="AppleSDGothicNeo"/>
+              </a:rPr>
+              <a:t>원래의 </a:t>
+            </a:r>
+            <a:r>
+              <a:rPr lang="en-US" altLang="ko-KR" sz="2400">
+                <a:solidFill>
+                  <a:srgbClr val="555555"/>
+                </a:solidFill>
+                <a:effectLst/>
+                <a:latin typeface="AppleSDGothicNeo"/>
+              </a:rPr>
+              <a:t>@ResponseBody</a:t>
+            </a:r>
+            <a:r>
+              <a:rPr lang="ko-KR" altLang="en-US" sz="2400">
+                <a:solidFill>
+                  <a:srgbClr val="555555"/>
+                </a:solidFill>
+                <a:effectLst/>
+                <a:latin typeface="AppleSDGothicNeo"/>
+              </a:rPr>
+              <a:t>가 없는 것은  동작 안함</a:t>
+            </a:r>
+            <a:r>
+              <a:rPr lang="en-US" altLang="ko-KR" sz="2400">
+                <a:solidFill>
+                  <a:srgbClr val="555555"/>
+                </a:solidFill>
+                <a:effectLst/>
+                <a:latin typeface="AppleSDGothicNeo"/>
+              </a:rPr>
+              <a:t>)</a:t>
+            </a:r>
+            <a:endParaRPr lang="ko-KR" altLang="en-US" sz="2400"/>
+          </a:p>
+        </p:txBody>
+      </p:sp>
+    </p:spTree>
+    <p:extLst>
+      <p:ext uri="{BB962C8B-B14F-4D97-AF65-F5344CB8AC3E}">
+        <p14:creationId xmlns:p14="http://schemas.microsoft.com/office/powerpoint/2010/main" val="1325580156"/>
+      </p:ext>
+    </p:extLst>
+  </p:cSld>
+  <p:clrMapOvr>
+    <a:masterClrMapping/>
+  </p:clrMapOvr>
+</p:sld>
+</file>
+
+<file path=ppt/slides/slide25.xml><?xml version="1.0" encoding="utf-8"?>
+<p:sld xmlns:a="http://schemas.openxmlformats.org/drawingml/2006/main" xmlns:r="http://schemas.openxmlformats.org/officeDocument/2006/relationships" xmlns:p="http://schemas.openxmlformats.org/presentationml/2006/main">
+  <p:cSld>
+    <p:spTree>
+      <p:nvGrpSpPr>
+        <p:cNvPr id="1" name=""/>
+        <p:cNvGrpSpPr/>
+        <p:nvPr/>
+      </p:nvGrpSpPr>
+      <p:grpSpPr>
+        <a:xfrm>
+          <a:off x="0" y="0"/>
+          <a:ext cx="0" cy="0"/>
+          <a:chOff x="0" y="0"/>
+          <a:chExt cx="0" cy="0"/>
+        </a:xfrm>
+      </p:grpSpPr>
+      <p:sp>
+        <p:nvSpPr>
+          <p:cNvPr id="2" name="내용 개체 틀 1"/>
+          <p:cNvSpPr>
+            <a:spLocks noGrp="1"/>
+          </p:cNvSpPr>
+          <p:nvPr>
+            <p:ph idx="1"/>
+          </p:nvPr>
+        </p:nvSpPr>
+        <p:spPr>
+          <a:xfrm>
+            <a:off x="457200" y="836712"/>
+            <a:ext cx="8229600" cy="5170579"/>
+          </a:xfrm>
+        </p:spPr>
+        <p:txBody>
+          <a:bodyPr>
+            <a:normAutofit/>
+          </a:bodyPr>
+          <a:lstStyle/>
+          <a:p>
+            <a:pPr marL="109728" indent="0">
+              <a:buNone/>
+            </a:pPr>
+            <a:r>
+              <a:rPr lang="en-US" altLang="ko-KR" sz="1800" dirty="0"/>
+              <a:t> &lt;dependency&gt;</a:t>
+            </a:r>
+          </a:p>
+          <a:p>
+            <a:pPr marL="109728" indent="0">
+              <a:buNone/>
+            </a:pPr>
+            <a:r>
+              <a:rPr lang="en-US" altLang="ko-KR" sz="1800" dirty="0"/>
+              <a:t>            &lt;</a:t>
+            </a:r>
+            <a:r>
+              <a:rPr lang="en-US" altLang="ko-KR" sz="1800" dirty="0" err="1"/>
+              <a:t>groupId</a:t>
+            </a:r>
+            <a:r>
+              <a:rPr lang="en-US" altLang="ko-KR" sz="1800" dirty="0"/>
+              <a:t>&gt;commons-</a:t>
+            </a:r>
+            <a:r>
+              <a:rPr lang="en-US" altLang="ko-KR" sz="1800" dirty="0" err="1"/>
+              <a:t>fileupload</a:t>
+            </a:r>
+            <a:r>
+              <a:rPr lang="en-US" altLang="ko-KR" sz="1800" dirty="0"/>
+              <a:t>&lt;/</a:t>
+            </a:r>
+            <a:r>
+              <a:rPr lang="en-US" altLang="ko-KR" sz="1800" dirty="0" err="1"/>
+              <a:t>groupId</a:t>
+            </a:r>
+            <a:r>
+              <a:rPr lang="en-US" altLang="ko-KR" sz="1800" dirty="0"/>
+              <a:t>&gt;</a:t>
+            </a:r>
+          </a:p>
+          <a:p>
+            <a:pPr marL="109728" indent="0">
+              <a:buNone/>
+            </a:pPr>
+            <a:r>
+              <a:rPr lang="en-US" altLang="ko-KR" sz="1800" dirty="0"/>
+              <a:t>            &lt;</a:t>
+            </a:r>
+            <a:r>
+              <a:rPr lang="en-US" altLang="ko-KR" sz="1800" dirty="0" err="1"/>
+              <a:t>artifactId</a:t>
+            </a:r>
+            <a:r>
+              <a:rPr lang="en-US" altLang="ko-KR" sz="1800" dirty="0"/>
+              <a:t>&gt;commons-</a:t>
+            </a:r>
+            <a:r>
+              <a:rPr lang="en-US" altLang="ko-KR" sz="1800" dirty="0" err="1"/>
+              <a:t>fileupload</a:t>
+            </a:r>
+            <a:r>
+              <a:rPr lang="en-US" altLang="ko-KR" sz="1800" dirty="0"/>
+              <a:t>&lt;/</a:t>
+            </a:r>
+            <a:r>
+              <a:rPr lang="en-US" altLang="ko-KR" sz="1800" dirty="0" err="1"/>
+              <a:t>artifactId</a:t>
+            </a:r>
+            <a:r>
+              <a:rPr lang="en-US" altLang="ko-KR" sz="1800" dirty="0"/>
+              <a:t>&gt;</a:t>
+            </a:r>
+          </a:p>
+          <a:p>
+            <a:pPr marL="109728" indent="0">
+              <a:buNone/>
+            </a:pPr>
+            <a:r>
+              <a:rPr lang="en-US" altLang="ko-KR" sz="1800" dirty="0"/>
+              <a:t>            &lt;version&gt;1.3.2&lt;/version&gt;</a:t>
+            </a:r>
+          </a:p>
+          <a:p>
+            <a:pPr marL="109728" indent="0">
+              <a:buNone/>
+            </a:pPr>
+            <a:r>
+              <a:rPr lang="en-US" altLang="ko-KR" sz="1800" dirty="0"/>
+              <a:t>        &lt;/dependency&gt; </a:t>
+            </a:r>
+          </a:p>
+          <a:p>
+            <a:pPr marL="109728" indent="0">
+              <a:buNone/>
+            </a:pPr>
+            <a:r>
+              <a:rPr lang="en-US" altLang="ko-KR" sz="1800" dirty="0"/>
+              <a:t>        &lt;dependency&gt;</a:t>
+            </a:r>
+          </a:p>
+          <a:p>
+            <a:pPr marL="109728" indent="0">
+              <a:buNone/>
+            </a:pPr>
+            <a:r>
+              <a:rPr lang="en-US" altLang="ko-KR" sz="1800" dirty="0"/>
+              <a:t>            &lt;</a:t>
+            </a:r>
+            <a:r>
+              <a:rPr lang="en-US" altLang="ko-KR" sz="1800" dirty="0" err="1"/>
+              <a:t>groupId</a:t>
+            </a:r>
+            <a:r>
+              <a:rPr lang="en-US" altLang="ko-KR" sz="1800" dirty="0"/>
+              <a:t>&gt;commons-io&lt;/</a:t>
+            </a:r>
+            <a:r>
+              <a:rPr lang="en-US" altLang="ko-KR" sz="1800" dirty="0" err="1"/>
+              <a:t>groupId</a:t>
+            </a:r>
+            <a:r>
+              <a:rPr lang="en-US" altLang="ko-KR" sz="1800" dirty="0"/>
+              <a:t>&gt;</a:t>
+            </a:r>
+          </a:p>
+          <a:p>
+            <a:pPr marL="109728" indent="0">
+              <a:buNone/>
+            </a:pPr>
+            <a:r>
+              <a:rPr lang="en-US" altLang="ko-KR" sz="1800" dirty="0"/>
+              <a:t>            &lt;</a:t>
+            </a:r>
+            <a:r>
+              <a:rPr lang="en-US" altLang="ko-KR" sz="1800" dirty="0" err="1"/>
+              <a:t>artifactId</a:t>
+            </a:r>
+            <a:r>
+              <a:rPr lang="en-US" altLang="ko-KR" sz="1800" dirty="0"/>
+              <a:t>&gt;commons-io&lt;/</a:t>
+            </a:r>
+            <a:r>
+              <a:rPr lang="en-US" altLang="ko-KR" sz="1800" dirty="0" err="1"/>
+              <a:t>artifactId</a:t>
+            </a:r>
+            <a:r>
+              <a:rPr lang="en-US" altLang="ko-KR" sz="1800" dirty="0"/>
+              <a:t>&gt;</a:t>
+            </a:r>
+          </a:p>
+          <a:p>
+            <a:pPr marL="109728" indent="0">
+              <a:buNone/>
+            </a:pPr>
+            <a:r>
+              <a:rPr lang="en-US" altLang="ko-KR" sz="1800" dirty="0"/>
+              <a:t>            &lt;version&gt;2.5&lt;/version&gt;</a:t>
+            </a:r>
+          </a:p>
+          <a:p>
+            <a:pPr marL="109728" indent="0">
+              <a:buNone/>
+            </a:pPr>
+            <a:r>
+              <a:rPr lang="en-US" altLang="ko-KR" sz="1800" dirty="0"/>
+              <a:t>        &lt;/dependency&gt;</a:t>
+            </a:r>
+          </a:p>
+          <a:p>
+            <a:pPr marL="109728" indent="0">
+              <a:buNone/>
+            </a:pPr>
+            <a:endParaRPr lang="en-US" altLang="ko-KR" sz="1800" dirty="0"/>
+          </a:p>
+          <a:p>
+            <a:endParaRPr lang="en-US" altLang="ko-KR" sz="1800" dirty="0"/>
+          </a:p>
+          <a:p>
+            <a:endParaRPr lang="ko-KR" altLang="en-US" sz="1800" dirty="0"/>
+          </a:p>
+        </p:txBody>
+      </p:sp>
+      <p:sp>
+        <p:nvSpPr>
+          <p:cNvPr id="3" name="제목 2"/>
+          <p:cNvSpPr>
+            <a:spLocks noGrp="1"/>
+          </p:cNvSpPr>
+          <p:nvPr>
+            <p:ph type="title"/>
+          </p:nvPr>
+        </p:nvSpPr>
+        <p:spPr>
+          <a:xfrm>
+            <a:off x="457200" y="274638"/>
+            <a:ext cx="8229600" cy="562074"/>
+          </a:xfrm>
+        </p:spPr>
+        <p:txBody>
+          <a:bodyPr>
+            <a:normAutofit/>
+          </a:bodyPr>
+          <a:lstStyle/>
+          <a:p>
+            <a:r>
+              <a:rPr lang="ko-KR" altLang="en-US" sz="2400">
+                <a:solidFill>
+                  <a:srgbClr val="555555"/>
+                </a:solidFill>
+                <a:effectLst/>
+                <a:latin typeface="AppleSDGothicNeo"/>
+              </a:rPr>
+              <a:t>파일 업로드를 </a:t>
+            </a:r>
+            <a:r>
+              <a:rPr lang="en-US" altLang="ko-KR" sz="2400">
+                <a:solidFill>
+                  <a:srgbClr val="555555"/>
+                </a:solidFill>
+                <a:effectLst/>
+                <a:latin typeface="AppleSDGothicNeo"/>
+              </a:rPr>
+              <a:t>AJAX </a:t>
+            </a:r>
+            <a:r>
+              <a:rPr lang="ko-KR" altLang="en-US" sz="2400">
+                <a:solidFill>
+                  <a:srgbClr val="555555"/>
+                </a:solidFill>
+                <a:effectLst/>
+                <a:latin typeface="AppleSDGothicNeo"/>
+              </a:rPr>
+              <a:t>처리</a:t>
+            </a:r>
+            <a:endParaRPr lang="ko-KR" altLang="en-US" sz="2400"/>
+          </a:p>
+        </p:txBody>
+      </p:sp>
+    </p:spTree>
+    <p:extLst>
+      <p:ext uri="{BB962C8B-B14F-4D97-AF65-F5344CB8AC3E}">
+        <p14:creationId xmlns:p14="http://schemas.microsoft.com/office/powerpoint/2010/main" val="2032526297"/>
+      </p:ext>
+    </p:extLst>
+  </p:cSld>
+  <p:clrMapOvr>
+    <a:masterClrMapping/>
+  </p:clrMapOvr>
+</p:sld>
+</file>
+
+<file path=ppt/slides/slide26.xml><?xml version="1.0" encoding="utf-8"?>
+<p:sld xmlns:a="http://schemas.openxmlformats.org/drawingml/2006/main" xmlns:r="http://schemas.openxmlformats.org/officeDocument/2006/relationships" xmlns:p="http://schemas.openxmlformats.org/presentationml/2006/main">
+  <p:cSld>
+    <p:spTree>
+      <p:nvGrpSpPr>
+        <p:cNvPr id="1" name=""/>
+        <p:cNvGrpSpPr/>
+        <p:nvPr/>
+      </p:nvGrpSpPr>
+      <p:grpSpPr>
+        <a:xfrm>
+          <a:off x="0" y="0"/>
+          <a:ext cx="0" cy="0"/>
+          <a:chOff x="0" y="0"/>
+          <a:chExt cx="0" cy="0"/>
+        </a:xfrm>
+      </p:grpSpPr>
+      <p:sp>
+        <p:nvSpPr>
+          <p:cNvPr id="2" name="내용 개체 틀 1"/>
+          <p:cNvSpPr>
+            <a:spLocks noGrp="1"/>
+          </p:cNvSpPr>
+          <p:nvPr>
+            <p:ph idx="1"/>
+          </p:nvPr>
+        </p:nvSpPr>
+        <p:spPr>
+          <a:xfrm>
+            <a:off x="457200" y="836712"/>
+            <a:ext cx="8229600" cy="5170579"/>
+          </a:xfrm>
+        </p:spPr>
+        <p:txBody>
+          <a:bodyPr>
+            <a:normAutofit/>
+          </a:bodyPr>
+          <a:lstStyle/>
+          <a:p>
+            <a:pPr marL="109728" indent="0">
+              <a:buNone/>
+            </a:pPr>
+            <a:r>
+              <a:rPr lang="en-US" altLang="ko-KR" sz="1800"/>
+              <a:t> -servlet</a:t>
+            </a:r>
+            <a:r>
+              <a:rPr lang="ko-KR" altLang="en-US" sz="1800"/>
+              <a:t>과 </a:t>
+            </a:r>
+            <a:r>
+              <a:rPr lang="en-US" altLang="ko-KR" sz="1800"/>
+              <a:t>jsp </a:t>
+            </a:r>
+            <a:r>
+              <a:rPr lang="ko-KR" altLang="en-US" sz="1800"/>
+              <a:t>업그레이드</a:t>
+            </a:r>
+            <a:br>
+              <a:rPr lang="en-US" altLang="ko-KR" sz="1800"/>
+            </a:br>
+            <a:r>
+              <a:rPr lang="en-US" altLang="ko-KR" sz="1900"/>
+              <a:t>&lt;dependency&gt;</a:t>
+            </a:r>
+          </a:p>
+          <a:p>
+            <a:pPr marL="109728" indent="0">
+              <a:buNone/>
+            </a:pPr>
+            <a:r>
+              <a:rPr lang="en-US" altLang="ko-KR" sz="1900"/>
+              <a:t>       &lt;groupId&gt;javax.servlet&lt;/groupId&gt;</a:t>
+            </a:r>
+          </a:p>
+          <a:p>
+            <a:pPr marL="109728" indent="0">
+              <a:buNone/>
+            </a:pPr>
+            <a:r>
+              <a:rPr lang="en-US" altLang="ko-KR" sz="1900"/>
+              <a:t>       &lt;artifactId&gt;javax.servlet-api&lt;/artifactId&gt;</a:t>
+            </a:r>
+          </a:p>
+          <a:p>
+            <a:pPr marL="109728" indent="0">
+              <a:buNone/>
+            </a:pPr>
+            <a:r>
+              <a:rPr lang="en-US" altLang="ko-KR" sz="1900"/>
+              <a:t>       &lt;version&gt;3.0.1&lt;/version&gt;</a:t>
+            </a:r>
+          </a:p>
+          <a:p>
+            <a:pPr marL="109728" indent="0">
+              <a:buNone/>
+            </a:pPr>
+            <a:r>
+              <a:rPr lang="en-US" altLang="ko-KR" sz="1900"/>
+              <a:t>       &lt;scope&gt;provided&lt;/scope&gt;</a:t>
+            </a:r>
+          </a:p>
+          <a:p>
+            <a:pPr marL="109728" indent="0">
+              <a:buNone/>
+            </a:pPr>
+            <a:r>
+              <a:rPr lang="en-US" altLang="ko-KR" sz="1900"/>
+              <a:t>        &lt;/dependency&gt;</a:t>
+            </a:r>
+          </a:p>
+          <a:p>
+            <a:pPr marL="109728" indent="0">
+              <a:buNone/>
+            </a:pPr>
+            <a:r>
+              <a:rPr lang="en-US" altLang="ko-KR" sz="1900"/>
+              <a:t>        &lt;dependency&gt;</a:t>
+            </a:r>
+          </a:p>
+          <a:p>
+            <a:pPr marL="109728" indent="0">
+              <a:buNone/>
+            </a:pPr>
+            <a:r>
+              <a:rPr lang="en-US" altLang="ko-KR" sz="1900"/>
+              <a:t>        &lt;groupId&gt;javax.servlet.jsp&lt;/groupId&gt;</a:t>
+            </a:r>
+          </a:p>
+          <a:p>
+            <a:pPr marL="109728" indent="0">
+              <a:buNone/>
+            </a:pPr>
+            <a:r>
+              <a:rPr lang="en-US" altLang="ko-KR" sz="1900"/>
+              <a:t>        &lt;artifactId&gt;jsp-api&lt;/artifactId&gt;</a:t>
+            </a:r>
+          </a:p>
+          <a:p>
+            <a:pPr marL="109728" indent="0">
+              <a:buNone/>
+            </a:pPr>
+            <a:r>
+              <a:rPr lang="en-US" altLang="ko-KR" sz="1900"/>
+              <a:t>        &lt;version&gt;2.2&lt;/version&gt;</a:t>
+            </a:r>
+          </a:p>
+          <a:p>
+            <a:pPr marL="109728" indent="0">
+              <a:buNone/>
+            </a:pPr>
+            <a:r>
+              <a:rPr lang="en-US" altLang="ko-KR" sz="1900"/>
+              <a:t>        &lt;/dependency&gt;</a:t>
+            </a:r>
+          </a:p>
+          <a:p>
+            <a:endParaRPr lang="en-US" altLang="ko-KR" sz="1800"/>
+          </a:p>
+          <a:p>
+            <a:endParaRPr lang="ko-KR" altLang="en-US" sz="1800"/>
+          </a:p>
+        </p:txBody>
+      </p:sp>
+      <p:sp>
+        <p:nvSpPr>
+          <p:cNvPr id="3" name="제목 2"/>
+          <p:cNvSpPr>
+            <a:spLocks noGrp="1"/>
+          </p:cNvSpPr>
+          <p:nvPr>
+            <p:ph type="title"/>
+          </p:nvPr>
+        </p:nvSpPr>
+        <p:spPr>
+          <a:xfrm>
+            <a:off x="457200" y="274638"/>
+            <a:ext cx="8229600" cy="562074"/>
+          </a:xfrm>
+        </p:spPr>
+        <p:txBody>
+          <a:bodyPr>
+            <a:normAutofit/>
+          </a:bodyPr>
+          <a:lstStyle/>
+          <a:p>
+            <a:r>
+              <a:rPr lang="ko-KR" altLang="en-US" sz="2400">
+                <a:solidFill>
+                  <a:srgbClr val="555555"/>
+                </a:solidFill>
+                <a:effectLst/>
+                <a:latin typeface="AppleSDGothicNeo"/>
+              </a:rPr>
+              <a:t>파일 업로드를 </a:t>
+            </a:r>
+            <a:r>
+              <a:rPr lang="en-US" altLang="ko-KR" sz="2400">
+                <a:solidFill>
+                  <a:srgbClr val="555555"/>
+                </a:solidFill>
+                <a:effectLst/>
+                <a:latin typeface="AppleSDGothicNeo"/>
+              </a:rPr>
+              <a:t>AJAX </a:t>
+            </a:r>
+            <a:r>
+              <a:rPr lang="ko-KR" altLang="en-US" sz="2400">
+                <a:solidFill>
+                  <a:srgbClr val="555555"/>
+                </a:solidFill>
+                <a:effectLst/>
+                <a:latin typeface="AppleSDGothicNeo"/>
+              </a:rPr>
+              <a:t>처리</a:t>
+            </a:r>
+            <a:endParaRPr lang="ko-KR" altLang="en-US" sz="2400"/>
+          </a:p>
+        </p:txBody>
+      </p:sp>
+    </p:spTree>
+    <p:extLst>
+      <p:ext uri="{BB962C8B-B14F-4D97-AF65-F5344CB8AC3E}">
+        <p14:creationId xmlns:p14="http://schemas.microsoft.com/office/powerpoint/2010/main" val="2230838930"/>
+      </p:ext>
+    </p:extLst>
+  </p:cSld>
+  <p:clrMapOvr>
+    <a:masterClrMapping/>
+  </p:clrMapOvr>
+</p:sld>
+</file>
+
+<file path=ppt/slides/slide27.xml><?xml version="1.0" encoding="utf-8"?>
+<p:sld xmlns:a="http://schemas.openxmlformats.org/drawingml/2006/main" xmlns:r="http://schemas.openxmlformats.org/officeDocument/2006/relationships" xmlns:p="http://schemas.openxmlformats.org/presentationml/2006/main">
+  <p:cSld>
+    <p:spTree>
+      <p:nvGrpSpPr>
+        <p:cNvPr id="1" name=""/>
+        <p:cNvGrpSpPr/>
+        <p:nvPr/>
+      </p:nvGrpSpPr>
+      <p:grpSpPr>
+        <a:xfrm>
+          <a:off x="0" y="0"/>
+          <a:ext cx="0" cy="0"/>
+          <a:chOff x="0" y="0"/>
+          <a:chExt cx="0" cy="0"/>
+        </a:xfrm>
+      </p:grpSpPr>
+      <p:sp>
+        <p:nvSpPr>
+          <p:cNvPr id="2" name="내용 개체 틀 1"/>
+          <p:cNvSpPr>
+            <a:spLocks noGrp="1"/>
+          </p:cNvSpPr>
+          <p:nvPr>
+            <p:ph idx="1"/>
+          </p:nvPr>
+        </p:nvSpPr>
+        <p:spPr>
+          <a:xfrm>
+            <a:off x="457200" y="404664"/>
+            <a:ext cx="8229600" cy="5602627"/>
+          </a:xfrm>
+        </p:spPr>
+        <p:txBody>
+          <a:bodyPr>
+            <a:normAutofit/>
+          </a:bodyPr>
+          <a:lstStyle/>
+          <a:p>
+            <a:pPr marL="109728" indent="0">
+              <a:buNone/>
+            </a:pPr>
+            <a:r>
+              <a:rPr lang="en-US" altLang="ko-KR" sz="1800"/>
+              <a:t>&lt;beans:bean id="multipartResolver" class="org.springframework.web.multipart.commons.CommonsMultipartResolver"&gt;        </a:t>
+            </a:r>
+            <a:br>
+              <a:rPr lang="en-US" altLang="ko-KR" sz="1800"/>
+            </a:br>
+            <a:r>
+              <a:rPr lang="en-US" altLang="ko-KR" sz="1800"/>
+              <a:t>&lt;!-- max upload size in bytes --&gt;        </a:t>
+            </a:r>
+            <a:br>
+              <a:rPr lang="en-US" altLang="ko-KR" sz="1800"/>
+            </a:br>
+            <a:r>
+              <a:rPr lang="en-US" altLang="ko-KR" sz="1800"/>
+              <a:t>&lt;beans:property name="maxUploadSize" value="5242880" /&gt; </a:t>
+            </a:r>
+            <a:br>
+              <a:rPr lang="en-US" altLang="ko-KR" sz="1800"/>
+            </a:br>
+            <a:r>
+              <a:rPr lang="en-US" altLang="ko-KR" sz="1800"/>
+              <a:t>&lt;!-- 5MB --&gt;        </a:t>
+            </a:r>
+            <a:br>
+              <a:rPr lang="en-US" altLang="ko-KR" sz="1800"/>
+            </a:br>
+            <a:r>
+              <a:rPr lang="en-US" altLang="ko-KR" sz="1800"/>
+              <a:t>&lt;!-- max size of file in memory (in bytes) --&gt;        </a:t>
+            </a:r>
+            <a:br>
+              <a:rPr lang="en-US" altLang="ko-KR" sz="1800"/>
+            </a:br>
+            <a:r>
+              <a:rPr lang="en-US" altLang="ko-KR" sz="1800"/>
+              <a:t>&lt;beans:property name="maxInMemorySize" value="1048576" /&gt; &lt;!-- 1MB --&gt;    </a:t>
+            </a:r>
+            <a:br>
+              <a:rPr lang="en-US" altLang="ko-KR" sz="1800"/>
+            </a:br>
+            <a:r>
+              <a:rPr lang="en-US" altLang="ko-KR" sz="1800"/>
+              <a:t>&lt;/beans:bean&gt; </a:t>
+            </a:r>
+            <a:br>
+              <a:rPr lang="en-US" altLang="ko-KR" sz="1800"/>
+            </a:br>
+            <a:br>
+              <a:rPr lang="en-US" altLang="ko-KR" sz="1800"/>
+            </a:br>
+            <a:r>
+              <a:rPr lang="en-US" altLang="ko-KR" sz="1800"/>
+              <a:t>ajax</a:t>
+            </a:r>
+            <a:r>
+              <a:rPr lang="ko-KR" altLang="en-US" sz="1800"/>
+              <a:t>측에 다음를 처리</a:t>
+            </a:r>
+            <a:br>
+              <a:rPr lang="en-US" altLang="ko-KR" sz="1800"/>
+            </a:br>
+            <a:r>
+              <a:rPr lang="en-US" altLang="ko-KR" sz="1800"/>
+              <a:t>contentType: </a:t>
+            </a:r>
+            <a:r>
+              <a:rPr lang="en-US" altLang="ko-KR" sz="1800" b="1"/>
+              <a:t>false,</a:t>
+            </a:r>
+          </a:p>
+          <a:p>
+            <a:pPr marL="109728" indent="0">
+              <a:buNone/>
+            </a:pPr>
+            <a:r>
+              <a:rPr lang="en-US" altLang="ko-KR" sz="1800"/>
+              <a:t>processData: </a:t>
+            </a:r>
+            <a:r>
+              <a:rPr lang="en-US" altLang="ko-KR" sz="1800" b="1"/>
+              <a:t>false,</a:t>
+            </a:r>
+            <a:endParaRPr lang="ko-KR" altLang="en-US" sz="1800"/>
+          </a:p>
+        </p:txBody>
+      </p:sp>
+    </p:spTree>
+    <p:extLst>
+      <p:ext uri="{BB962C8B-B14F-4D97-AF65-F5344CB8AC3E}">
+        <p14:creationId xmlns:p14="http://schemas.microsoft.com/office/powerpoint/2010/main" val="1754138387"/>
+      </p:ext>
+    </p:extLst>
+  </p:cSld>
+  <p:clrMapOvr>
+    <a:masterClrMapping/>
+  </p:clrMapOvr>
+</p:sld>
+</file>
+
+<file path=ppt/slides/slide28.xml><?xml version="1.0" encoding="utf-8"?>
+<p:sld xmlns:a="http://schemas.openxmlformats.org/drawingml/2006/main" xmlns:r="http://schemas.openxmlformats.org/officeDocument/2006/relationships" xmlns:p="http://schemas.openxmlformats.org/presentationml/2006/main">
+  <p:cSld>
+    <p:spTree>
+      <p:nvGrpSpPr>
+        <p:cNvPr id="1" name=""/>
+        <p:cNvGrpSpPr/>
+        <p:nvPr/>
+      </p:nvGrpSpPr>
+      <p:grpSpPr>
+        <a:xfrm>
+          <a:off x="0" y="0"/>
+          <a:ext cx="0" cy="0"/>
+          <a:chOff x="0" y="0"/>
+          <a:chExt cx="0" cy="0"/>
+        </a:xfrm>
+      </p:grpSpPr>
+      <p:sp>
+        <p:nvSpPr>
+          <p:cNvPr id="2" name="내용 개체 틀 1"/>
+          <p:cNvSpPr>
+            <a:spLocks noGrp="1"/>
+          </p:cNvSpPr>
+          <p:nvPr>
+            <p:ph idx="1"/>
+          </p:nvPr>
+        </p:nvSpPr>
         <p:spPr/>
         <p:txBody>
           <a:bodyPr>
@@ -7784,7 +10040,7 @@
 </p:sld>
 </file>
 
-<file path=ppt/slides/slide25.xml><?xml version="1.0" encoding="utf-8"?>
+<file path=ppt/slides/slide29.xml><?xml version="1.0" encoding="utf-8"?>
 <p:sld xmlns:a="http://schemas.openxmlformats.org/drawingml/2006/main" xmlns:r="http://schemas.openxmlformats.org/officeDocument/2006/relationships" xmlns:p="http://schemas.openxmlformats.org/presentationml/2006/main">
   <p:cSld>
     <p:spTree>
@@ -9229,6 +11485,159 @@
           </a:ln>
         </p:spPr>
       </p:pic>
+      <mc:AlternateContent xmlns:mc="http://schemas.openxmlformats.org/markup-compatibility/2006">
+        <mc:Choice xmlns:p14="http://schemas.microsoft.com/office/powerpoint/2010/main" Requires="p14">
+          <p:contentPart p14:bwMode="auto" r:id="rId3">
+            <p14:nvContentPartPr>
+              <p14:cNvPr id="2" name="잉크 1">
+                <a:extLst>
+                  <a:ext uri="{FF2B5EF4-FFF2-40B4-BE49-F238E27FC236}">
+                    <a16:creationId xmlns:a16="http://schemas.microsoft.com/office/drawing/2014/main" id="{DAF9E4B8-84B4-4537-AECE-7CF4F82B7714}"/>
+                  </a:ext>
+                </a:extLst>
+              </p14:cNvPr>
+              <p14:cNvContentPartPr/>
+              <p14:nvPr/>
+            </p14:nvContentPartPr>
+            <p14:xfrm>
+              <a:off x="2225564" y="2114109"/>
+              <a:ext cx="1190520" cy="28440"/>
+            </p14:xfrm>
+          </p:contentPart>
+        </mc:Choice>
+        <mc:Fallback>
+          <p:pic>
+            <p:nvPicPr>
+              <p:cNvPr id="2" name="잉크 1">
+                <a:extLst>
+                  <a:ext uri="{FF2B5EF4-FFF2-40B4-BE49-F238E27FC236}">
+                    <a16:creationId xmlns:a16="http://schemas.microsoft.com/office/drawing/2014/main" id="{DAF9E4B8-84B4-4537-AECE-7CF4F82B7714}"/>
+                  </a:ext>
+                </a:extLst>
+              </p:cNvPr>
+              <p:cNvPicPr/>
+              <p:nvPr/>
+            </p:nvPicPr>
+            <p:blipFill>
+              <a:blip r:embed="rId4"/>
+              <a:stretch>
+                <a:fillRect/>
+              </a:stretch>
+            </p:blipFill>
+            <p:spPr>
+              <a:xfrm>
+                <a:off x="2216564" y="2105469"/>
+                <a:ext cx="1208160" cy="46080"/>
+              </a:xfrm>
+              <a:prstGeom prst="rect">
+                <a:avLst/>
+              </a:prstGeom>
+            </p:spPr>
+          </p:pic>
+        </mc:Fallback>
+      </mc:AlternateContent>
+      <mc:AlternateContent xmlns:mc="http://schemas.openxmlformats.org/markup-compatibility/2006">
+        <mc:Choice xmlns:p14="http://schemas.microsoft.com/office/powerpoint/2010/main" Requires="p14">
+          <p:contentPart p14:bwMode="auto" r:id="rId5">
+            <p14:nvContentPartPr>
+              <p14:cNvPr id="3" name="잉크 2">
+                <a:extLst>
+                  <a:ext uri="{FF2B5EF4-FFF2-40B4-BE49-F238E27FC236}">
+                    <a16:creationId xmlns:a16="http://schemas.microsoft.com/office/drawing/2014/main" id="{1F1158D9-6E8F-4187-A3CF-20874305A600}"/>
+                  </a:ext>
+                </a:extLst>
+              </p14:cNvPr>
+              <p14:cNvContentPartPr/>
+              <p14:nvPr/>
+            </p14:nvContentPartPr>
+            <p14:xfrm>
+              <a:off x="2262644" y="3378789"/>
+              <a:ext cx="295200" cy="11160"/>
+            </p14:xfrm>
+          </p:contentPart>
+        </mc:Choice>
+        <mc:Fallback>
+          <p:pic>
+            <p:nvPicPr>
+              <p:cNvPr id="3" name="잉크 2">
+                <a:extLst>
+                  <a:ext uri="{FF2B5EF4-FFF2-40B4-BE49-F238E27FC236}">
+                    <a16:creationId xmlns:a16="http://schemas.microsoft.com/office/drawing/2014/main" id="{1F1158D9-6E8F-4187-A3CF-20874305A600}"/>
+                  </a:ext>
+                </a:extLst>
+              </p:cNvPr>
+              <p:cNvPicPr/>
+              <p:nvPr/>
+            </p:nvPicPr>
+            <p:blipFill>
+              <a:blip r:embed="rId6"/>
+              <a:stretch>
+                <a:fillRect/>
+              </a:stretch>
+            </p:blipFill>
+            <p:spPr>
+              <a:xfrm>
+                <a:off x="2253644" y="3370149"/>
+                <a:ext cx="312840" cy="28800"/>
+              </a:xfrm>
+              <a:prstGeom prst="rect">
+                <a:avLst/>
+              </a:prstGeom>
+            </p:spPr>
+          </p:pic>
+        </mc:Fallback>
+      </mc:AlternateContent>
+      <mc:AlternateContent xmlns:mc="http://schemas.openxmlformats.org/markup-compatibility/2006">
+        <mc:Choice xmlns:p14="http://schemas.microsoft.com/office/powerpoint/2010/main" Requires="p14">
+          <p:contentPart p14:bwMode="auto" r:id="rId7">
+            <p14:nvContentPartPr>
+              <p14:cNvPr id="4" name="잉크 3">
+                <a:extLst>
+                  <a:ext uri="{FF2B5EF4-FFF2-40B4-BE49-F238E27FC236}">
+                    <a16:creationId xmlns:a16="http://schemas.microsoft.com/office/drawing/2014/main" id="{3A5BA2C7-71CD-4C9D-B616-FC7249159721}"/>
+                  </a:ext>
+                </a:extLst>
+              </p14:cNvPr>
+              <p14:cNvContentPartPr/>
+              <p14:nvPr/>
+            </p14:nvContentPartPr>
+            <p14:xfrm>
+              <a:off x="2197844" y="4063869"/>
+              <a:ext cx="766080" cy="360"/>
+            </p14:xfrm>
+          </p:contentPart>
+        </mc:Choice>
+        <mc:Fallback>
+          <p:pic>
+            <p:nvPicPr>
+              <p:cNvPr id="4" name="잉크 3">
+                <a:extLst>
+                  <a:ext uri="{FF2B5EF4-FFF2-40B4-BE49-F238E27FC236}">
+                    <a16:creationId xmlns:a16="http://schemas.microsoft.com/office/drawing/2014/main" id="{3A5BA2C7-71CD-4C9D-B616-FC7249159721}"/>
+                  </a:ext>
+                </a:extLst>
+              </p:cNvPr>
+              <p:cNvPicPr/>
+              <p:nvPr/>
+            </p:nvPicPr>
+            <p:blipFill>
+              <a:blip r:embed="rId8"/>
+              <a:stretch>
+                <a:fillRect/>
+              </a:stretch>
+            </p:blipFill>
+            <p:spPr>
+              <a:xfrm>
+                <a:off x="2189204" y="4054869"/>
+                <a:ext cx="783720" cy="18000"/>
+              </a:xfrm>
+              <a:prstGeom prst="rect">
+                <a:avLst/>
+              </a:prstGeom>
+            </p:spPr>
+          </p:pic>
+        </mc:Fallback>
+      </mc:AlternateContent>
     </p:spTree>
   </p:cSld>
   <p:clrMapOvr>
